--- a/docs/Exam Management System - PROPOSAL.pptx
+++ b/docs/Exam Management System - PROPOSAL.pptx
@@ -257,7 +257,7 @@
       <p15:sldGuideLst xmlns:p15="http://schemas.microsoft.com/office/powerpoint/2012/main"/>
     </p:ext>
     <p:ext uri="GoogleSlidesCustomDataVersion2">
-      <go:slidesCustomData xmlns="" xmlns:mc="http://schemas.openxmlformats.org/markup-compatibility/2006" xmlns:mv="urn:schemas-microsoft-com:mac:vml" xmlns:c="http://schemas.openxmlformats.org/drawingml/2006/chart" xmlns:dgm="http://schemas.openxmlformats.org/drawingml/2006/diagram" xmlns:o="urn:schemas-microsoft-com:office:office" xmlns:v="urn:schemas-microsoft-com:vml" xmlns:pvml="urn:schemas-microsoft-com:office:powerpoint" xmlns:com="http://schemas.openxmlformats.org/drawingml/2006/compatibility" xmlns:p14="http://schemas.microsoft.com/office/powerpoint/2010/main" xmlns:p15="http://schemas.microsoft.com/office/powerpoint/2012/main" xmlns:ahyp="http://schemas.microsoft.com/office/drawing/2018/hyperlinkcolor" xmlns:go="http://customooxmlschemas.google.com/" r:id="rId17" roundtripDataSignature="AMtx7mjHDiAdwHvLZK2bWmoRcue1Uht1hA=="/>
+      <go:slidesCustomData xmlns:go="http://customooxmlschemas.google.com/" xmlns:ahyp="http://schemas.microsoft.com/office/drawing/2018/hyperlinkcolor" xmlns:p15="http://schemas.microsoft.com/office/powerpoint/2012/main" xmlns:p14="http://schemas.microsoft.com/office/powerpoint/2010/main" xmlns:com="http://schemas.openxmlformats.org/drawingml/2006/compatibility" xmlns:pvml="urn:schemas-microsoft-com:office:powerpoint" xmlns:v="urn:schemas-microsoft-com:vml" xmlns:o="urn:schemas-microsoft-com:office:office" xmlns:dgm="http://schemas.openxmlformats.org/drawingml/2006/diagram" xmlns:c="http://schemas.openxmlformats.org/drawingml/2006/chart" xmlns:mv="urn:schemas-microsoft-com:mac:vml" xmlns:mc="http://schemas.openxmlformats.org/markup-compatibility/2006" xmlns="" r:id="rId17" roundtripDataSignature="AMtx7mjHDiAdwHvLZK2bWmoRcue1Uht1hA=="/>
     </p:ext>
   </p:extLst>
 </p:presentation>
@@ -14528,57 +14528,9 @@
         </p:spPr>
         <p:txBody>
           <a:bodyPr spcFirstLastPara="1" wrap="square" lIns="91425" tIns="45700" rIns="91425" bIns="45700" anchor="t" anchorCtr="0">
-            <a:normAutofit fontScale="92500" lnSpcReduction="10000"/>
+            <a:normAutofit fontScale="92500"/>
           </a:bodyPr>
           <a:lstStyle/>
-          <a:p>
-            <a:pPr marL="228600" lvl="0" indent="-228600" algn="l" rtl="0">
-              <a:lnSpc>
-                <a:spcPct val="90000"/>
-              </a:lnSpc>
-              <a:spcBef>
-                <a:spcPts val="0"/>
-              </a:spcBef>
-              <a:spcAft>
-                <a:spcPts val="0"/>
-              </a:spcAft>
-              <a:buClr>
-                <a:schemeClr val="dk1"/>
-              </a:buClr>
-              <a:buSzPts val="2800"/>
-              <a:buChar char="•"/>
-            </a:pPr>
-            <a:r>
-              <a:rPr lang="en-IL" dirty="0"/>
-              <a:t>What is the  motivation and purpose of the project</a:t>
-            </a:r>
-            <a:endParaRPr lang="he-IL" dirty="0"/>
-          </a:p>
-          <a:p>
-            <a:pPr marL="685800" lvl="1" indent="-228600">
-              <a:spcBef>
-                <a:spcPts val="0"/>
-              </a:spcBef>
-              <a:buSzPts val="2800"/>
-            </a:pPr>
-            <a:r>
-              <a:rPr lang="en-US" dirty="0"/>
-              <a:t>A web-based System for managing and synthesizing exams</a:t>
-            </a:r>
-          </a:p>
-          <a:p>
-            <a:pPr marL="685800" lvl="1" indent="-228600">
-              <a:spcBef>
-                <a:spcPts val="0"/>
-              </a:spcBef>
-              <a:buSzPts val="2800"/>
-            </a:pPr>
-            <a:r>
-              <a:rPr lang="en-US" dirty="0"/>
-              <a:t>Intended to replace current offline system </a:t>
-            </a:r>
-            <a:endParaRPr dirty="0"/>
-          </a:p>
           <a:p>
             <a:pPr marL="228600" lvl="0" indent="-228600" algn="l" rtl="0">
               <a:lnSpc>
@@ -14625,6 +14577,11 @@
               <a:rPr lang="en-US" dirty="0"/>
               <a:t>The creation of challenging multiple-choice tests in the sciences is a non-trivial task.</a:t>
             </a:r>
+            <a:r>
+              <a:rPr lang="he-IL" dirty="0"/>
+              <a:t> </a:t>
+            </a:r>
+            <a:endParaRPr lang="en-US" dirty="0"/>
           </a:p>
           <a:p>
             <a:pPr marL="685800" lvl="1" indent="-228600">
@@ -14635,7 +14592,19 @@
             </a:pPr>
             <a:r>
               <a:rPr lang="en-US" dirty="0"/>
-              <a:t>  </a:t>
+              <a:t>The creation of one-time-use questions is costly and unsustainable. </a:t>
+            </a:r>
+          </a:p>
+          <a:p>
+            <a:pPr marL="685800" lvl="1" indent="-228600">
+              <a:spcBef>
+                <a:spcPts val="1000"/>
+              </a:spcBef>
+              <a:buSzPts val="2800"/>
+            </a:pPr>
+            <a:r>
+              <a:rPr lang="en-US" dirty="0"/>
+              <a:t>A smarter way to utilize the TAs workforce will help create a more powerful system of exam synthesis. </a:t>
             </a:r>
           </a:p>
           <a:p>
@@ -14659,28 +14628,30 @@
               <a:rPr lang="en-IL" dirty="0"/>
               <a:t>What is the solution?</a:t>
             </a:r>
-            <a:endParaRPr dirty="0"/>
+            <a:endParaRPr lang="en-US" dirty="0"/>
           </a:p>
           <a:p>
-            <a:pPr marL="228600" lvl="0" indent="-228600" algn="l" rtl="0">
-              <a:lnSpc>
-                <a:spcPct val="90000"/>
-              </a:lnSpc>
-              <a:spcBef>
-                <a:spcPts val="1000"/>
-              </a:spcBef>
-              <a:spcAft>
-                <a:spcPts val="0"/>
-              </a:spcAft>
-              <a:buClr>
-                <a:schemeClr val="dk1"/>
-              </a:buClr>
+            <a:pPr marL="685800" lvl="1" indent="-228600">
+              <a:spcBef>
+                <a:spcPts val="0"/>
+              </a:spcBef>
               <a:buSzPts val="2800"/>
-              <a:buChar char="•"/>
             </a:pPr>
             <a:r>
-              <a:rPr lang="en-IL" dirty="0"/>
-              <a:t>How will you evaluate the solution?</a:t>
+              <a:rPr lang="en-US" dirty="0"/>
+              <a:t>A web-based System for managing and synthesizing exams</a:t>
+            </a:r>
+          </a:p>
+          <a:p>
+            <a:pPr marL="685800" lvl="1" indent="-228600">
+              <a:spcBef>
+                <a:spcPts val="0"/>
+              </a:spcBef>
+              <a:buSzPts val="2800"/>
+            </a:pPr>
+            <a:r>
+              <a:rPr lang="en-US" dirty="0"/>
+              <a:t>Intended to replace current offline system. </a:t>
             </a:r>
             <a:endParaRPr dirty="0"/>
           </a:p>
@@ -14840,6 +14811,27 @@
               <a:t>The existing system has now been in use for 6-7 years in a large number of courses. </a:t>
             </a:r>
           </a:p>
+          <a:p>
+            <a:pPr marL="228600" indent="-228600">
+              <a:spcBef>
+                <a:spcPts val="0"/>
+              </a:spcBef>
+              <a:buSzPts val="2800"/>
+            </a:pPr>
+            <a:endParaRPr lang="en-US" dirty="0"/>
+          </a:p>
+          <a:p>
+            <a:pPr marL="228600" indent="-228600">
+              <a:spcBef>
+                <a:spcPts val="0"/>
+              </a:spcBef>
+              <a:buSzPts val="2800"/>
+            </a:pPr>
+            <a:r>
+              <a:rPr lang="en-US" dirty="0"/>
+              <a:t>Current system’s low accessibility is too hard for people without deep knowledge and understanding to use comfortably. </a:t>
+            </a:r>
+          </a:p>
         </p:txBody>
       </p:sp>
     </p:spTree>
@@ -14974,7 +14966,7 @@
             </a:pPr>
             <a:r>
               <a:rPr lang="en-US" dirty="0"/>
-              <a:t>Have the system be web-based</a:t>
+              <a:t>Have the system be web-based.</a:t>
             </a:r>
           </a:p>
           <a:p>
@@ -15006,7 +14998,7 @@
             </a:pPr>
             <a:r>
               <a:rPr lang="en-US" dirty="0"/>
-              <a:t>Support flexible content creation</a:t>
+              <a:t>Support flexible content creation.</a:t>
             </a:r>
           </a:p>
           <a:p>
@@ -15018,7 +15010,7 @@
             </a:pPr>
             <a:r>
               <a:rPr lang="en-US" dirty="0"/>
-              <a:t>Support flexible generation of exams</a:t>
+              <a:t>Support flexible generation of exams.</a:t>
             </a:r>
           </a:p>
           <a:p>
@@ -15170,26 +15162,18 @@
               <a:buSzPts val="2800"/>
               <a:buChar char="•"/>
             </a:pPr>
-            <a:endParaRPr lang="en-US" dirty="0"/>
-          </a:p>
-          <a:p>
-            <a:pPr marL="228600" lvl="0" indent="-228600" algn="l" rtl="0">
-              <a:lnSpc>
-                <a:spcPct val="90000"/>
-              </a:lnSpc>
-              <a:spcBef>
-                <a:spcPts val="0"/>
-              </a:spcBef>
-              <a:spcAft>
-                <a:spcPts val="0"/>
-              </a:spcAft>
-              <a:buClr>
-                <a:schemeClr val="dk1"/>
-              </a:buClr>
-              <a:buSzPts val="2800"/>
-              <a:buChar char="•"/>
-            </a:pPr>
-            <a:endParaRPr lang="en-US" dirty="0"/>
+            <a:r>
+              <a:rPr lang="en-US" dirty="0"/>
+              <a:t>Project’s </a:t>
+            </a:r>
+            <a:r>
+              <a:rPr lang="en-US" dirty="0" err="1"/>
+              <a:t>frontend+backend</a:t>
+            </a:r>
+            <a:r>
+              <a:rPr lang="en-US" dirty="0"/>
+              <a:t> will be developed in JavaScript – to allow easy maintenance by the client/new developers. </a:t>
+            </a:r>
           </a:p>
           <a:p>
             <a:pPr marL="228600" lvl="0" indent="-228600" algn="l" rtl="0">
@@ -15209,18 +15193,17 @@
               <a:buChar char="•"/>
             </a:pPr>
             <a:r>
-              <a:rPr lang="en-IL" dirty="0"/>
-              <a:t>Describe the project</a:t>
+              <a:rPr lang="en-US" dirty="0"/>
+              <a:t>Intricate and intense DB work will allow maintenance of users, roles, and meta-questions.</a:t>
             </a:r>
-            <a:endParaRPr dirty="0"/>
           </a:p>
           <a:p>
-            <a:pPr marL="685800" lvl="1" indent="-228600" algn="l" rtl="0">
-              <a:lnSpc>
-                <a:spcPct val="90000"/>
-              </a:lnSpc>
-              <a:spcBef>
-                <a:spcPts val="500"/>
+            <a:pPr marL="228600" lvl="0" indent="-228600" algn="l" rtl="0">
+              <a:lnSpc>
+                <a:spcPct val="90000"/>
+              </a:lnSpc>
+              <a:spcBef>
+                <a:spcPts val="0"/>
               </a:spcBef>
               <a:spcAft>
                 <a:spcPts val="0"/>
@@ -15228,105 +15211,73 @@
               <a:buClr>
                 <a:schemeClr val="dk1"/>
               </a:buClr>
-              <a:buSzPts val="2400"/>
+              <a:buSzPts val="2800"/>
               <a:buChar char="•"/>
             </a:pPr>
             <a:r>
-              <a:rPr lang="en-IL" dirty="0"/>
-              <a:t>What will be developed?</a:t>
+              <a:rPr lang="en-US" dirty="0"/>
+              <a:t>Features will include:</a:t>
             </a:r>
-            <a:endParaRPr dirty="0"/>
           </a:p>
           <a:p>
-            <a:pPr marL="685800" lvl="1" indent="-228600" algn="l" rtl="0">
-              <a:lnSpc>
-                <a:spcPct val="90000"/>
-              </a:lnSpc>
-              <a:spcBef>
-                <a:spcPts val="500"/>
-              </a:spcBef>
-              <a:spcAft>
-                <a:spcPts val="0"/>
-              </a:spcAft>
-              <a:buClr>
-                <a:schemeClr val="dk1"/>
-              </a:buClr>
-              <a:buSzPts val="2400"/>
-              <a:buChar char="•"/>
+            <a:pPr marL="685800" lvl="1" indent="-228600">
+              <a:spcBef>
+                <a:spcPts val="0"/>
+              </a:spcBef>
+              <a:buSzPts val="2800"/>
             </a:pPr>
             <a:r>
-              <a:rPr lang="en-IL" dirty="0"/>
-              <a:t>What functionality will be? In </a:t>
+              <a:rPr lang="en-US" dirty="0"/>
+              <a:t>Maintenance of meta-questions per subject/course. </a:t>
             </a:r>
-            <a:r>
-              <a:rPr lang="en-IL" dirty="0" err="1"/>
-              <a:t>highlevel</a:t>
-            </a:r>
-            <a:endParaRPr dirty="0"/>
           </a:p>
           <a:p>
-            <a:pPr marL="685800" lvl="1" indent="-228600" algn="l" rtl="0">
-              <a:lnSpc>
-                <a:spcPct val="90000"/>
-              </a:lnSpc>
-              <a:spcBef>
-                <a:spcPts val="500"/>
-              </a:spcBef>
-              <a:spcAft>
-                <a:spcPts val="0"/>
-              </a:spcAft>
-              <a:buClr>
-                <a:schemeClr val="dk1"/>
-              </a:buClr>
-              <a:buSzPts val="2400"/>
-              <a:buChar char="•"/>
+            <a:pPr marL="685800" lvl="1" indent="-228600">
+              <a:spcBef>
+                <a:spcPts val="0"/>
+              </a:spcBef>
+              <a:buSzPts val="2800"/>
             </a:pPr>
             <a:r>
-              <a:rPr lang="en-IL" dirty="0"/>
-              <a:t>..</a:t>
+              <a:rPr lang="en-US" dirty="0"/>
+              <a:t>Maintenance of questions, possible answers, possible distractors. </a:t>
             </a:r>
-            <a:endParaRPr dirty="0"/>
           </a:p>
           <a:p>
-            <a:pPr marL="685800" lvl="1" indent="-228600" algn="l" rtl="0">
-              <a:lnSpc>
-                <a:spcPct val="90000"/>
-              </a:lnSpc>
-              <a:spcBef>
-                <a:spcPts val="500"/>
-              </a:spcBef>
-              <a:spcAft>
-                <a:spcPts val="0"/>
-              </a:spcAft>
-              <a:buClr>
-                <a:schemeClr val="dk1"/>
-              </a:buClr>
-              <a:buSzPts val="2400"/>
-              <a:buChar char="•"/>
+            <a:pPr marL="685800" lvl="1" indent="-228600">
+              <a:spcBef>
+                <a:spcPts val="0"/>
+              </a:spcBef>
+              <a:buSzPts val="2800"/>
             </a:pPr>
             <a:r>
-              <a:rPr lang="en-IL" dirty="0"/>
-              <a:t>Elaborate as much as possible – but in short items</a:t>
+              <a:rPr lang="en-US" dirty="0"/>
+              <a:t>Production of LaTeX documents for printable test files. </a:t>
             </a:r>
-            <a:endParaRPr dirty="0"/>
           </a:p>
           <a:p>
-            <a:pPr marL="685800" lvl="1" indent="-76200" algn="l" rtl="0">
-              <a:lnSpc>
-                <a:spcPct val="90000"/>
-              </a:lnSpc>
-              <a:spcBef>
-                <a:spcPts val="500"/>
-              </a:spcBef>
-              <a:spcAft>
-                <a:spcPts val="0"/>
-              </a:spcAft>
-              <a:buClr>
-                <a:schemeClr val="dk1"/>
-              </a:buClr>
-              <a:buSzPts val="2400"/>
-              <a:buNone/>
+            <a:pPr marL="685800" lvl="1" indent="-228600">
+              <a:spcBef>
+                <a:spcPts val="0"/>
+              </a:spcBef>
+              <a:buSzPts val="2800"/>
             </a:pPr>
+            <a:r>
+              <a:rPr lang="en-US" dirty="0"/>
+              <a:t>Production of statistics for questions based on test performance. </a:t>
+            </a:r>
+          </a:p>
+          <a:p>
+            <a:pPr marL="685800" lvl="1" indent="-228600">
+              <a:spcBef>
+                <a:spcPts val="0"/>
+              </a:spcBef>
+              <a:buSzPts val="2800"/>
+            </a:pPr>
+            <a:r>
+              <a:rPr lang="en-US" dirty="0"/>
+              <a:t>Role maintenance system that’ll allow division of labor and tracking. </a:t>
+            </a:r>
             <a:endParaRPr dirty="0"/>
           </a:p>
           <a:p>

--- a/docs/Exam Management System - PROPOSAL.pptx
+++ b/docs/Exam Management System - PROPOSAL.pptx
@@ -14395,29 +14395,6 @@
             </a:r>
             <a:endParaRPr dirty="0"/>
           </a:p>
-          <a:p>
-            <a:pPr marL="685800" lvl="1" indent="-228600" algn="l" rtl="0">
-              <a:lnSpc>
-                <a:spcPct val="90000"/>
-              </a:lnSpc>
-              <a:spcBef>
-                <a:spcPts val="500"/>
-              </a:spcBef>
-              <a:spcAft>
-                <a:spcPts val="0"/>
-              </a:spcAft>
-              <a:buClr>
-                <a:schemeClr val="dk1"/>
-              </a:buClr>
-              <a:buSzPts val="2400"/>
-              <a:buChar char="•"/>
-            </a:pPr>
-            <a:r>
-              <a:rPr lang="en-IL" dirty="0"/>
-              <a:t>Address</a:t>
-            </a:r>
-            <a:endParaRPr dirty="0"/>
-          </a:p>
         </p:txBody>
       </p:sp>
     </p:spTree>
@@ -14492,14 +14469,14 @@
               <a:buNone/>
             </a:pPr>
             <a:r>
-              <a:rPr lang="en-IL">
+              <a:rPr lang="en-IL" dirty="0">
                 <a:solidFill>
                   <a:schemeClr val="accent4"/>
                 </a:solidFill>
               </a:rPr>
               <a:t>Project’s Motivation and Purpose</a:t>
             </a:r>
-            <a:endParaRPr/>
+            <a:endParaRPr dirty="0"/>
           </a:p>
         </p:txBody>
       </p:sp>
@@ -14515,8 +14492,8 @@
         </p:nvSpPr>
         <p:spPr>
           <a:xfrm>
-            <a:off x="838200" y="1825625"/>
-            <a:ext cx="10515600" cy="4351338"/>
+            <a:off x="838200" y="1825624"/>
+            <a:ext cx="10515600" cy="4797117"/>
           </a:xfrm>
           <a:prstGeom prst="rect">
             <a:avLst/>
@@ -14528,7 +14505,7 @@
         </p:spPr>
         <p:txBody>
           <a:bodyPr spcFirstLastPara="1" wrap="square" lIns="91425" tIns="45700" rIns="91425" bIns="45700" anchor="t" anchorCtr="0">
-            <a:normAutofit fontScale="92500"/>
+            <a:normAutofit fontScale="92500" lnSpcReduction="20000"/>
           </a:bodyPr>
           <a:lstStyle/>
           <a:p>
@@ -14549,10 +14526,9 @@
               <a:buChar char="•"/>
             </a:pPr>
             <a:r>
-              <a:rPr lang="en-IL" dirty="0"/>
-              <a:t>What problem does it  intend to solve?</a:t>
+              <a:rPr lang="en-US" dirty="0"/>
+              <a:t>General Problem:</a:t>
             </a:r>
-            <a:endParaRPr lang="en-US" dirty="0"/>
           </a:p>
           <a:p>
             <a:pPr marL="685800" lvl="1" indent="-228600">
@@ -14596,15 +14572,48 @@
             </a:r>
           </a:p>
           <a:p>
-            <a:pPr marL="685800" lvl="1" indent="-228600">
-              <a:spcBef>
-                <a:spcPts val="1000"/>
-              </a:spcBef>
+            <a:pPr marL="228600" indent="-228600">
               <a:buSzPts val="2800"/>
             </a:pPr>
             <a:r>
               <a:rPr lang="en-US" dirty="0"/>
-              <a:t>A smarter way to utilize the TAs workforce will help create a more powerful system of exam synthesis. </a:t>
+              <a:t>Specific Problem:</a:t>
+            </a:r>
+          </a:p>
+          <a:p>
+            <a:pPr marL="685800" lvl="1" indent="-228600">
+              <a:buSzPts val="2800"/>
+            </a:pPr>
+            <a:r>
+              <a:rPr lang="en-US" dirty="0"/>
+              <a:t>Maintenance of a large and growing pool of questions is proving to be difficult.</a:t>
+            </a:r>
+          </a:p>
+          <a:p>
+            <a:pPr marL="685800" lvl="1" indent="-228600">
+              <a:buSzPts val="2800"/>
+            </a:pPr>
+            <a:r>
+              <a:rPr lang="en-US" dirty="0"/>
+              <a:t>Current implemented system is local, inaccessible and hard to learn. </a:t>
+            </a:r>
+          </a:p>
+          <a:p>
+            <a:pPr marL="685800" lvl="1" indent="-228600">
+              <a:buSzPts val="2800"/>
+            </a:pPr>
+            <a:r>
+              <a:rPr lang="en-US" dirty="0"/>
+              <a:t>Division of labor between TAs and test examiners is done by hand and is hard to track.</a:t>
+            </a:r>
+          </a:p>
+          <a:p>
+            <a:pPr marL="685800" lvl="1" indent="-228600">
+              <a:buSzPts val="2800"/>
+            </a:pPr>
+            <a:r>
+              <a:rPr lang="en-US" dirty="0"/>
+              <a:t>The possibility of tracking quality of questions &amp; answers is crucially needed. </a:t>
             </a:r>
           </a:p>
           <a:p>
@@ -14639,7 +14648,7 @@
             </a:pPr>
             <a:r>
               <a:rPr lang="en-US" dirty="0"/>
-              <a:t>A web-based System for managing and synthesizing exams</a:t>
+              <a:t>A web-based System for managing work, subjects, questions.</a:t>
             </a:r>
           </a:p>
           <a:p>
@@ -14942,7 +14951,7 @@
         </p:spPr>
         <p:txBody>
           <a:bodyPr spcFirstLastPara="1" wrap="square" lIns="91425" tIns="45700" rIns="91425" bIns="45700" anchor="t" anchorCtr="0">
-            <a:normAutofit/>
+            <a:normAutofit fontScale="85000" lnSpcReduction="20000"/>
           </a:bodyPr>
           <a:lstStyle/>
           <a:p>
@@ -14954,23 +14963,11 @@
             </a:pPr>
             <a:r>
               <a:rPr lang="en-US" dirty="0"/>
-              <a:t>The system is in serious need of redesign and reimplementation to support many additional functions. </a:t>
+              <a:t>Workflow Management System:</a:t>
             </a:r>
           </a:p>
           <a:p>
-            <a:pPr marL="228600" indent="-228600">
-              <a:spcBef>
-                <a:spcPts val="0"/>
-              </a:spcBef>
-              <a:buSzPts val="2800"/>
-            </a:pPr>
-            <a:r>
-              <a:rPr lang="en-US" dirty="0"/>
-              <a:t>Have the system be web-based.</a:t>
-            </a:r>
-          </a:p>
-          <a:p>
-            <a:pPr marL="228600" indent="-228600">
+            <a:pPr marL="685800" lvl="1" indent="-228600">
               <a:spcBef>
                 <a:spcPts val="0"/>
               </a:spcBef>
@@ -14986,7 +14983,51 @@
             </a:r>
             <a:r>
               <a:rPr lang="en-US" dirty="0"/>
-              <a:t>)</a:t>
+              <a:t>).</a:t>
+            </a:r>
+          </a:p>
+          <a:p>
+            <a:pPr marL="685800" lvl="1" indent="-228600">
+              <a:spcBef>
+                <a:spcPts val="0"/>
+              </a:spcBef>
+              <a:buSzPts val="2800"/>
+            </a:pPr>
+            <a:r>
+              <a:rPr lang="en-US" dirty="0" err="1"/>
+              <a:t>Manual+Algorithmical</a:t>
+            </a:r>
+            <a:r>
+              <a:rPr lang="en-US" dirty="0"/>
+              <a:t> generation of tasks based on priority and needs.</a:t>
+            </a:r>
+          </a:p>
+          <a:p>
+            <a:pPr marL="685800" lvl="1" indent="-228600">
+              <a:spcBef>
+                <a:spcPts val="0"/>
+              </a:spcBef>
+              <a:buSzPts val="2800"/>
+            </a:pPr>
+            <a:r>
+              <a:rPr lang="en-US" dirty="0" err="1"/>
+              <a:t>Manual+Algorithmical</a:t>
+            </a:r>
+            <a:r>
+              <a:rPr lang="en-US" dirty="0"/>
+              <a:t> spread of tasks throughout configured workforce. </a:t>
+            </a:r>
+          </a:p>
+          <a:p>
+            <a:pPr marL="685800" lvl="1" indent="-228600">
+              <a:spcBef>
+                <a:spcPts val="0"/>
+              </a:spcBef>
+              <a:buSzPts val="2800"/>
+            </a:pPr>
+            <a:r>
+              <a:rPr lang="en-US" dirty="0"/>
+              <a:t>Tracking over work velocity and output (= blame feature). </a:t>
             </a:r>
           </a:p>
           <a:p>
@@ -14998,7 +15039,31 @@
             </a:pPr>
             <a:r>
               <a:rPr lang="en-US" dirty="0"/>
-              <a:t>Support flexible content creation.</a:t>
+              <a:t>UI:</a:t>
+            </a:r>
+          </a:p>
+          <a:p>
+            <a:pPr marL="685800" lvl="1" indent="-228600">
+              <a:spcBef>
+                <a:spcPts val="0"/>
+              </a:spcBef>
+              <a:buSzPts val="2800"/>
+            </a:pPr>
+            <a:r>
+              <a:rPr lang="en-US" dirty="0"/>
+              <a:t>Web-based system.</a:t>
+            </a:r>
+          </a:p>
+          <a:p>
+            <a:pPr marL="685800" lvl="1" indent="-228600">
+              <a:spcBef>
+                <a:spcPts val="0"/>
+              </a:spcBef>
+              <a:buSzPts val="2800"/>
+            </a:pPr>
+            <a:r>
+              <a:rPr lang="en-US" dirty="0"/>
+              <a:t>Dashboard based on Role.</a:t>
             </a:r>
           </a:p>
           <a:p>
@@ -15010,8 +15075,125 @@
             </a:pPr>
             <a:r>
               <a:rPr lang="en-US" dirty="0"/>
-              <a:t>Support flexible generation of exams.</a:t>
+              <a:t>Content creation:</a:t>
             </a:r>
+          </a:p>
+          <a:p>
+            <a:pPr marL="685800" lvl="1" indent="-228600">
+              <a:spcBef>
+                <a:spcPts val="0"/>
+              </a:spcBef>
+              <a:buSzPts val="2800"/>
+            </a:pPr>
+            <a:r>
+              <a:rPr lang="en-US" dirty="0"/>
+              <a:t>Manage content by subjects/keywords/classes.</a:t>
+            </a:r>
+          </a:p>
+          <a:p>
+            <a:pPr marL="685800" lvl="1" indent="-228600">
+              <a:spcBef>
+                <a:spcPts val="0"/>
+              </a:spcBef>
+              <a:buSzPts val="2800"/>
+            </a:pPr>
+            <a:r>
+              <a:rPr lang="en-US" dirty="0"/>
+              <a:t>Creation and management of stems, meta-questions, questions, appendices. </a:t>
+            </a:r>
+          </a:p>
+          <a:p>
+            <a:pPr marL="685800" lvl="1" indent="-228600">
+              <a:spcBef>
+                <a:spcPts val="0"/>
+              </a:spcBef>
+              <a:buSzPts val="2800"/>
+            </a:pPr>
+            <a:r>
+              <a:rPr lang="en-US" dirty="0"/>
+              <a:t>Creation and management of possible solutions/distractors per question. </a:t>
+            </a:r>
+          </a:p>
+          <a:p>
+            <a:pPr marL="228600" indent="-228600">
+              <a:spcBef>
+                <a:spcPts val="0"/>
+              </a:spcBef>
+              <a:buSzPts val="2800"/>
+            </a:pPr>
+            <a:r>
+              <a:rPr lang="en-US" dirty="0"/>
+              <a:t>Output creation:</a:t>
+            </a:r>
+          </a:p>
+          <a:p>
+            <a:pPr marL="685800" lvl="1" indent="-228600">
+              <a:spcBef>
+                <a:spcPts val="0"/>
+              </a:spcBef>
+              <a:buSzPts val="2800"/>
+            </a:pPr>
+            <a:r>
+              <a:rPr lang="en-US" dirty="0"/>
+              <a:t>Flexible LaTeX-based creation of exams/keys/solutions. </a:t>
+            </a:r>
+          </a:p>
+          <a:p>
+            <a:pPr marL="228600" indent="-228600">
+              <a:spcBef>
+                <a:spcPts val="0"/>
+              </a:spcBef>
+              <a:buSzPts val="2800"/>
+            </a:pPr>
+            <a:r>
+              <a:rPr lang="en-US" dirty="0"/>
+              <a:t>System:</a:t>
+            </a:r>
+          </a:p>
+          <a:p>
+            <a:pPr marL="685800" lvl="1" indent="-228600">
+              <a:spcBef>
+                <a:spcPts val="0"/>
+              </a:spcBef>
+              <a:buSzPts val="2800"/>
+            </a:pPr>
+            <a:r>
+              <a:rPr lang="en-US" dirty="0"/>
+              <a:t>Have both WMS and content handled in DB. </a:t>
+            </a:r>
+          </a:p>
+          <a:p>
+            <a:pPr marL="685800" lvl="1" indent="-228600">
+              <a:spcBef>
+                <a:spcPts val="0"/>
+              </a:spcBef>
+              <a:buSzPts val="2800"/>
+            </a:pPr>
+            <a:r>
+              <a:rPr lang="en-US" dirty="0"/>
+              <a:t>Version control of questions, handled in DB. </a:t>
+            </a:r>
+          </a:p>
+          <a:p>
+            <a:pPr marL="685800" lvl="1" indent="-228600">
+              <a:spcBef>
+                <a:spcPts val="0"/>
+              </a:spcBef>
+              <a:buSzPts val="2800"/>
+            </a:pPr>
+            <a:r>
+              <a:rPr lang="en-US" dirty="0"/>
+              <a:t>Easy install, migration, backup and cloning of the system. </a:t>
+            </a:r>
+          </a:p>
+          <a:p>
+            <a:pPr marL="228600" indent="-228600">
+              <a:spcBef>
+                <a:spcPts val="0"/>
+              </a:spcBef>
+              <a:buSzPts val="2800"/>
+            </a:pPr>
+            <a:endParaRPr lang="en-US" dirty="0"/>
           </a:p>
           <a:p>
             <a:pPr marL="685800" lvl="1" indent="-76200" algn="l" rtl="0">
@@ -15163,16 +15345,12 @@
               <a:buChar char="•"/>
             </a:pPr>
             <a:r>
-              <a:rPr lang="en-US" dirty="0"/>
-              <a:t>Project’s </a:t>
-            </a:r>
-            <a:r>
               <a:rPr lang="en-US" dirty="0" err="1"/>
-              <a:t>frontend+backend</a:t>
+              <a:t>Frontend+Backend</a:t>
             </a:r>
             <a:r>
               <a:rPr lang="en-US" dirty="0"/>
-              <a:t> will be developed in JavaScript – to allow easy maintenance by the client/new developers. </a:t>
+              <a:t> - developed in JavaScript as it is widely user, stable, with frameworks that allow easy implementation of features.</a:t>
             </a:r>
           </a:p>
           <a:p>
@@ -15194,7 +15372,7 @@
             </a:pPr>
             <a:r>
               <a:rPr lang="en-US" dirty="0"/>
-              <a:t>Intricate and intense DB work will allow maintenance of users, roles, and meta-questions.</a:t>
+              <a:t>Simple, intuitive and smooth interface - better UX is key for adoption by new users. </a:t>
             </a:r>
           </a:p>
           <a:p>
@@ -15216,67 +15394,29 @@
             </a:pPr>
             <a:r>
               <a:rPr lang="en-US" dirty="0"/>
-              <a:t>Features will include:</a:t>
+              <a:t>PostgreSQL based DB – stable and strong relational DB. </a:t>
             </a:r>
           </a:p>
           <a:p>
-            <a:pPr marL="685800" lvl="1" indent="-228600">
-              <a:spcBef>
-                <a:spcPts val="0"/>
-              </a:spcBef>
+            <a:pPr marL="228600" lvl="0" indent="-228600" algn="l" rtl="0">
+              <a:lnSpc>
+                <a:spcPct val="90000"/>
+              </a:lnSpc>
+              <a:spcBef>
+                <a:spcPts val="0"/>
+              </a:spcBef>
+              <a:spcAft>
+                <a:spcPts val="0"/>
+              </a:spcAft>
+              <a:buClr>
+                <a:schemeClr val="dk1"/>
+              </a:buClr>
               <a:buSzPts val="2800"/>
+              <a:buChar char="•"/>
             </a:pPr>
             <a:r>
               <a:rPr lang="en-US" dirty="0"/>
-              <a:t>Maintenance of meta-questions per subject/course. </a:t>
-            </a:r>
-          </a:p>
-          <a:p>
-            <a:pPr marL="685800" lvl="1" indent="-228600">
-              <a:spcBef>
-                <a:spcPts val="0"/>
-              </a:spcBef>
-              <a:buSzPts val="2800"/>
-            </a:pPr>
-            <a:r>
-              <a:rPr lang="en-US" dirty="0"/>
-              <a:t>Maintenance of questions, possible answers, possible distractors. </a:t>
-            </a:r>
-          </a:p>
-          <a:p>
-            <a:pPr marL="685800" lvl="1" indent="-228600">
-              <a:spcBef>
-                <a:spcPts val="0"/>
-              </a:spcBef>
-              <a:buSzPts val="2800"/>
-            </a:pPr>
-            <a:r>
-              <a:rPr lang="en-US" dirty="0"/>
-              <a:t>Production of LaTeX documents for printable test files. </a:t>
-            </a:r>
-          </a:p>
-          <a:p>
-            <a:pPr marL="685800" lvl="1" indent="-228600">
-              <a:spcBef>
-                <a:spcPts val="0"/>
-              </a:spcBef>
-              <a:buSzPts val="2800"/>
-            </a:pPr>
-            <a:r>
-              <a:rPr lang="en-US" dirty="0"/>
-              <a:t>Production of statistics for questions based on test performance. </a:t>
-            </a:r>
-          </a:p>
-          <a:p>
-            <a:pPr marL="685800" lvl="1" indent="-228600">
-              <a:spcBef>
-                <a:spcPts val="0"/>
-              </a:spcBef>
-              <a:buSzPts val="2800"/>
-            </a:pPr>
-            <a:r>
-              <a:rPr lang="en-US" dirty="0"/>
-              <a:t>Role maintenance system that’ll allow division of labor and tracking. </a:t>
+              <a:t>Features – Detailed in org file. </a:t>
             </a:r>
             <a:endParaRPr dirty="0"/>
           </a:p>
@@ -15438,7 +15578,7 @@
               <a:rPr lang="en-IL"/>
               <a:t>Describe the UI</a:t>
             </a:r>
-            <a:endParaRPr/>
+            <a:endParaRPr dirty="0"/>
           </a:p>
           <a:p>
             <a:pPr marL="228600" lvl="0" indent="-50800" algn="l" rtl="0">
@@ -15457,7 +15597,7 @@
               <a:buSzPts val="2800"/>
               <a:buNone/>
             </a:pPr>
-            <a:endParaRPr/>
+            <a:endParaRPr dirty="0"/>
           </a:p>
           <a:p>
             <a:pPr marL="228600" lvl="0" indent="-228600" algn="l" rtl="0">
@@ -15477,10 +15617,10 @@
               <a:buChar char="•"/>
             </a:pPr>
             <a:r>
-              <a:rPr lang="en-IL"/>
+              <a:rPr lang="en-IL" dirty="0"/>
               <a:t>User Study</a:t>
             </a:r>
-            <a:endParaRPr/>
+            <a:endParaRPr dirty="0"/>
           </a:p>
         </p:txBody>
       </p:sp>

--- a/docs/Exam Management System - PROPOSAL.pptx
+++ b/docs/Exam Management System - PROPOSAL.pptx
@@ -782,7 +782,7 @@
               </a:spcAft>
               <a:buNone/>
             </a:pPr>
-            <a:endParaRPr/>
+            <a:endParaRPr dirty="0"/>
           </a:p>
         </p:txBody>
       </p:sp>
@@ -886,7 +886,7 @@
               </a:spcAft>
               <a:buNone/>
             </a:pPr>
-            <a:endParaRPr/>
+            <a:endParaRPr dirty="0"/>
           </a:p>
         </p:txBody>
       </p:sp>
@@ -902,8 +902,8 @@
         </p:nvSpPr>
         <p:spPr>
           <a:xfrm>
-            <a:off x="1143225" y="685800"/>
-            <a:ext cx="4572225" cy="3429000"/>
+            <a:off x="381000" y="685800"/>
+            <a:ext cx="6096000" cy="3429000"/>
           </a:xfrm>
           <a:custGeom>
             <a:avLst/>
@@ -990,7 +990,7 @@
               </a:spcAft>
               <a:buNone/>
             </a:pPr>
-            <a:endParaRPr/>
+            <a:endParaRPr dirty="0"/>
           </a:p>
         </p:txBody>
       </p:sp>
@@ -1006,8 +1006,8 @@
         </p:nvSpPr>
         <p:spPr>
           <a:xfrm>
-            <a:off x="1143225" y="685800"/>
-            <a:ext cx="4572225" cy="3429000"/>
+            <a:off x="381000" y="685800"/>
+            <a:ext cx="6096000" cy="3429000"/>
           </a:xfrm>
           <a:custGeom>
             <a:avLst/>
@@ -1094,7 +1094,7 @@
               </a:spcAft>
               <a:buNone/>
             </a:pPr>
-            <a:endParaRPr/>
+            <a:endParaRPr dirty="0"/>
           </a:p>
         </p:txBody>
       </p:sp>
@@ -1110,8 +1110,8 @@
         </p:nvSpPr>
         <p:spPr>
           <a:xfrm>
-            <a:off x="1143225" y="685800"/>
-            <a:ext cx="4572225" cy="3429000"/>
+            <a:off x="381000" y="685800"/>
+            <a:ext cx="6096000" cy="3429000"/>
           </a:xfrm>
           <a:custGeom>
             <a:avLst/>
@@ -1198,7 +1198,7 @@
               </a:spcAft>
               <a:buNone/>
             </a:pPr>
-            <a:endParaRPr/>
+            <a:endParaRPr dirty="0"/>
           </a:p>
         </p:txBody>
       </p:sp>
@@ -1614,7 +1614,7 @@
               </a:spcAft>
               <a:buNone/>
             </a:pPr>
-            <a:endParaRPr/>
+            <a:endParaRPr dirty="0"/>
           </a:p>
         </p:txBody>
       </p:sp>
@@ -1827,7 +1827,7 @@
               </a:spcAft>
               <a:buNone/>
             </a:pPr>
-            <a:endParaRPr/>
+            <a:endParaRPr dirty="0"/>
           </a:p>
         </p:txBody>
       </p:sp>
@@ -1931,7 +1931,7 @@
               </a:spcAft>
               <a:buNone/>
             </a:pPr>
-            <a:endParaRPr/>
+            <a:endParaRPr dirty="0"/>
           </a:p>
         </p:txBody>
       </p:sp>
@@ -12605,13 +12605,13 @@
               <a:buChar char="•"/>
             </a:pPr>
             <a:r>
-              <a:rPr lang="en-IL"/>
-              <a:t>Describe in which environments and programming languages the project will be developed?</a:t>
+              <a:rPr lang="en-US" dirty="0"/>
+              <a:t>The Project UI and BE will be developed in JavaScript</a:t>
             </a:r>
-            <a:endParaRPr/>
-          </a:p>
-          <a:p>
-            <a:pPr marL="228600" lvl="0" indent="-228600" algn="l" rtl="0">
+            <a:endParaRPr dirty="0"/>
+          </a:p>
+          <a:p>
+            <a:pPr marL="228600" lvl="0" indent="-50800" algn="l" rtl="0">
               <a:lnSpc>
                 <a:spcPct val="90000"/>
               </a:lnSpc>
@@ -12625,78 +12625,9 @@
                 <a:schemeClr val="dk1"/>
               </a:buClr>
               <a:buSzPts val="2800"/>
-              <a:buChar char="•"/>
+              <a:buNone/>
             </a:pPr>
-            <a:r>
-              <a:rPr lang="en-IL"/>
-              <a:t>Should you learn? How will you learn?</a:t>
-            </a:r>
-            <a:endParaRPr/>
-          </a:p>
-          <a:p>
-            <a:pPr marL="228600" lvl="0" indent="-228600" algn="l" rtl="0">
-              <a:lnSpc>
-                <a:spcPct val="90000"/>
-              </a:lnSpc>
-              <a:spcBef>
-                <a:spcPts val="1000"/>
-              </a:spcBef>
-              <a:spcAft>
-                <a:spcPts val="0"/>
-              </a:spcAft>
-              <a:buClr>
-                <a:schemeClr val="dk1"/>
-              </a:buClr>
-              <a:buSzPts val="2800"/>
-              <a:buChar char="•"/>
-            </a:pPr>
-            <a:r>
-              <a:rPr lang="en-IL"/>
-              <a:t>..</a:t>
-            </a:r>
-            <a:endParaRPr/>
-          </a:p>
-          <a:p>
-            <a:pPr marL="228600" lvl="0" indent="-228600" algn="l" rtl="0">
-              <a:lnSpc>
-                <a:spcPct val="90000"/>
-              </a:lnSpc>
-              <a:spcBef>
-                <a:spcPts val="1000"/>
-              </a:spcBef>
-              <a:spcAft>
-                <a:spcPts val="0"/>
-              </a:spcAft>
-              <a:buClr>
-                <a:schemeClr val="dk1"/>
-              </a:buClr>
-              <a:buSzPts val="2800"/>
-              <a:buChar char="•"/>
-            </a:pPr>
-            <a:r>
-              <a:rPr lang="en-IL"/>
-              <a:t>Elaborate as much as possible – but in short items</a:t>
-            </a:r>
-            <a:endParaRPr/>
-          </a:p>
-          <a:p>
-            <a:pPr marL="228600" lvl="0" indent="-50800" algn="l" rtl="0">
-              <a:lnSpc>
-                <a:spcPct val="90000"/>
-              </a:lnSpc>
-              <a:spcBef>
-                <a:spcPts val="1000"/>
-              </a:spcBef>
-              <a:spcAft>
-                <a:spcPts val="0"/>
-              </a:spcAft>
-              <a:buClr>
-                <a:schemeClr val="dk1"/>
-              </a:buClr>
-              <a:buSzPts val="2800"/>
-              <a:buNone/>
-            </a:pPr>
-            <a:endParaRPr/>
+            <a:endParaRPr dirty="0"/>
           </a:p>
         </p:txBody>
       </p:sp>
@@ -12772,14 +12703,14 @@
               <a:buNone/>
             </a:pPr>
             <a:r>
-              <a:rPr lang="en-IL">
+              <a:rPr lang="en-IL" dirty="0">
                 <a:solidFill>
                   <a:schemeClr val="accent4"/>
                 </a:solidFill>
               </a:rPr>
               <a:t>Evaluation and Testing Plan  </a:t>
             </a:r>
-            <a:endParaRPr/>
+            <a:endParaRPr dirty="0"/>
           </a:p>
         </p:txBody>
       </p:sp>
@@ -12795,7 +12726,7 @@
         </p:nvSpPr>
         <p:spPr>
           <a:xfrm>
-            <a:off x="838200" y="1825625"/>
+            <a:off x="413327" y="1336097"/>
             <a:ext cx="10515600" cy="4351338"/>
           </a:xfrm>
           <a:prstGeom prst="rect">
@@ -12812,27 +12743,90 @@
           </a:bodyPr>
           <a:lstStyle/>
           <a:p>
-            <a:pPr marL="228600" lvl="0" indent="-228600" algn="l" rtl="0">
-              <a:lnSpc>
-                <a:spcPct val="90000"/>
-              </a:lnSpc>
-              <a:spcBef>
-                <a:spcPts val="0"/>
-              </a:spcBef>
-              <a:spcAft>
-                <a:spcPts val="0"/>
-              </a:spcAft>
-              <a:buClr>
-                <a:schemeClr val="dk1"/>
-              </a:buClr>
-              <a:buSzPts val="2800"/>
-              <a:buChar char="•"/>
-            </a:pPr>
+            <a:pPr algn="l"/>
             <a:r>
-              <a:rPr lang="en-IL"/>
-              <a:t>Describe which types of tests will be performed</a:t>
+              <a:rPr lang="en-US" i="0" dirty="0">
+                <a:solidFill>
+                  <a:schemeClr val="tx1"/>
+                </a:solidFill>
+                <a:effectLst/>
+                <a:latin typeface="canada-type-gibson"/>
+              </a:rPr>
+              <a:t>Accessibility Testing </a:t>
             </a:r>
-            <a:endParaRPr/>
+          </a:p>
+          <a:p>
+            <a:r>
+              <a:rPr lang="en-US" i="0" dirty="0">
+                <a:solidFill>
+                  <a:schemeClr val="tx1"/>
+                </a:solidFill>
+                <a:effectLst/>
+                <a:latin typeface="canada-type-gibson"/>
+              </a:rPr>
+              <a:t>Unit Testing </a:t>
+            </a:r>
+          </a:p>
+          <a:p>
+            <a:r>
+              <a:rPr lang="en-US" i="0" dirty="0">
+                <a:solidFill>
+                  <a:schemeClr val="tx1"/>
+                </a:solidFill>
+                <a:effectLst/>
+                <a:latin typeface="canada-type-gibson"/>
+              </a:rPr>
+              <a:t>Sanity Testing </a:t>
+            </a:r>
+          </a:p>
+          <a:p>
+            <a:pPr algn="l"/>
+            <a:r>
+              <a:rPr lang="en-US" i="0" dirty="0">
+                <a:solidFill>
+                  <a:schemeClr val="tx1"/>
+                </a:solidFill>
+                <a:effectLst/>
+                <a:latin typeface="canada-type-gibson"/>
+              </a:rPr>
+              <a:t>Acceptance Testing </a:t>
+            </a:r>
+          </a:p>
+          <a:p>
+            <a:pPr algn="l"/>
+            <a:r>
+              <a:rPr lang="en-US" i="0" dirty="0">
+                <a:solidFill>
+                  <a:schemeClr val="tx1"/>
+                </a:solidFill>
+                <a:effectLst/>
+                <a:latin typeface="canada-type-gibson"/>
+              </a:rPr>
+              <a:t>End to End Testing </a:t>
+            </a:r>
+          </a:p>
+          <a:p>
+            <a:pPr algn="l"/>
+            <a:r>
+              <a:rPr lang="en-US" i="0" dirty="0">
+                <a:solidFill>
+                  <a:schemeClr val="tx1"/>
+                </a:solidFill>
+                <a:effectLst/>
+                <a:latin typeface="canada-type-gibson"/>
+              </a:rPr>
+              <a:t>Security Testing </a:t>
+            </a:r>
+          </a:p>
+          <a:p>
+            <a:pPr algn="l"/>
+            <a:endParaRPr lang="en-US" i="0" dirty="0">
+              <a:solidFill>
+                <a:schemeClr val="tx1"/>
+              </a:solidFill>
+              <a:effectLst/>
+              <a:latin typeface="canada-type-gibson"/>
+            </a:endParaRPr>
           </a:p>
         </p:txBody>
       </p:sp>
@@ -12873,7 +12867,7 @@
         </p:nvSpPr>
         <p:spPr>
           <a:xfrm>
-            <a:off x="838200" y="365125"/>
+            <a:off x="116840" y="-131755"/>
             <a:ext cx="10515600" cy="1325563"/>
           </a:xfrm>
           <a:prstGeom prst="rect">
@@ -12908,67 +12902,1134 @@
               <a:buNone/>
             </a:pPr>
             <a:r>
-              <a:rPr lang="en-IL">
+              <a:rPr lang="en-IL" dirty="0">
                 <a:solidFill>
                   <a:schemeClr val="accent4"/>
                 </a:solidFill>
               </a:rPr>
               <a:t>Project’s Steps and Timeline</a:t>
             </a:r>
-            <a:endParaRPr/>
+            <a:endParaRPr dirty="0"/>
+          </a:p>
+        </p:txBody>
+      </p:sp>
+      <p:pic>
+        <p:nvPicPr>
+          <p:cNvPr id="5" name="Picture 4">
+            <a:extLst>
+              <a:ext uri="{FF2B5EF4-FFF2-40B4-BE49-F238E27FC236}">
+                <a16:creationId xmlns:a16="http://schemas.microsoft.com/office/drawing/2014/main" id="{105EA195-F4CA-A320-82C5-F5A99ACB62BA}"/>
+              </a:ext>
+            </a:extLst>
+          </p:cNvPr>
+          <p:cNvPicPr>
+            <a:picLocks noChangeAspect="1"/>
+          </p:cNvPicPr>
+          <p:nvPr/>
+        </p:nvPicPr>
+        <p:blipFill>
+          <a:blip r:embed="rId3"/>
+          <a:stretch>
+            <a:fillRect/>
+          </a:stretch>
+        </p:blipFill>
+        <p:spPr>
+          <a:xfrm>
+            <a:off x="230744" y="965894"/>
+            <a:ext cx="5497760" cy="5584911"/>
+          </a:xfrm>
+          <a:prstGeom prst="rect">
+            <a:avLst/>
+          </a:prstGeom>
+        </p:spPr>
+      </p:pic>
+      <p:cxnSp>
+        <p:nvCxnSpPr>
+          <p:cNvPr id="7" name="Straight Arrow Connector 6">
+            <a:extLst>
+              <a:ext uri="{FF2B5EF4-FFF2-40B4-BE49-F238E27FC236}">
+                <a16:creationId xmlns:a16="http://schemas.microsoft.com/office/drawing/2014/main" id="{1D1F83BA-BE43-FF9C-05A3-AF19FDF8C816}"/>
+              </a:ext>
+            </a:extLst>
+          </p:cNvPr>
+          <p:cNvCxnSpPr/>
+          <p:nvPr/>
+        </p:nvCxnSpPr>
+        <p:spPr>
+          <a:xfrm>
+            <a:off x="8692341" y="379612"/>
+            <a:ext cx="0" cy="6238240"/>
+          </a:xfrm>
+          <a:prstGeom prst="straightConnector1">
+            <a:avLst/>
+          </a:prstGeom>
+          <a:ln w="28575" cap="flat" cmpd="sng" algn="ctr">
+            <a:solidFill>
+              <a:schemeClr val="accent4"/>
+            </a:solidFill>
+            <a:prstDash val="dash"/>
+            <a:round/>
+            <a:headEnd type="none" w="med" len="med"/>
+            <a:tailEnd type="arrow" w="med" len="med"/>
+          </a:ln>
+        </p:spPr>
+        <p:style>
+          <a:lnRef idx="0">
+            <a:scrgbClr r="0" g="0" b="0"/>
+          </a:lnRef>
+          <a:fillRef idx="0">
+            <a:scrgbClr r="0" g="0" b="0"/>
+          </a:fillRef>
+          <a:effectRef idx="0">
+            <a:scrgbClr r="0" g="0" b="0"/>
+          </a:effectRef>
+          <a:fontRef idx="minor">
+            <a:schemeClr val="tx1"/>
+          </a:fontRef>
+        </p:style>
+      </p:cxnSp>
+      <p:sp>
+        <p:nvSpPr>
+          <p:cNvPr id="8" name="Oval 7">
+            <a:extLst>
+              <a:ext uri="{FF2B5EF4-FFF2-40B4-BE49-F238E27FC236}">
+                <a16:creationId xmlns:a16="http://schemas.microsoft.com/office/drawing/2014/main" id="{CBC5233A-A71F-AFE0-5C1A-836D812A21D5}"/>
+              </a:ext>
+            </a:extLst>
+          </p:cNvPr>
+          <p:cNvSpPr/>
+          <p:nvPr/>
+        </p:nvSpPr>
+        <p:spPr>
+          <a:xfrm flipV="1">
+            <a:off x="8626949" y="871664"/>
+            <a:ext cx="130783" cy="130102"/>
+          </a:xfrm>
+          <a:prstGeom prst="ellipse">
+            <a:avLst/>
+          </a:prstGeom>
+          <a:solidFill>
+            <a:schemeClr val="accent2"/>
+          </a:solidFill>
+          <a:ln>
+            <a:solidFill>
+              <a:schemeClr val="accent2"/>
+            </a:solidFill>
+          </a:ln>
+        </p:spPr>
+        <p:style>
+          <a:lnRef idx="2">
+            <a:schemeClr val="accent1">
+              <a:shade val="15000"/>
+            </a:schemeClr>
+          </a:lnRef>
+          <a:fillRef idx="1">
+            <a:schemeClr val="accent1"/>
+          </a:fillRef>
+          <a:effectRef idx="0">
+            <a:schemeClr val="accent1"/>
+          </a:effectRef>
+          <a:fontRef idx="minor">
+            <a:schemeClr val="lt1"/>
+          </a:fontRef>
+        </p:style>
+        <p:txBody>
+          <a:bodyPr rtlCol="0" anchor="ctr"/>
+          <a:lstStyle/>
+          <a:p>
+            <a:pPr algn="ctr"/>
+            <a:endParaRPr lang="en-IL"/>
           </a:p>
         </p:txBody>
       </p:sp>
       <p:sp>
         <p:nvSpPr>
-          <p:cNvPr id="146" name="Google Shape;146;p12"/>
-          <p:cNvSpPr txBox="1">
-            <a:spLocks noGrp="1"/>
-          </p:cNvSpPr>
-          <p:nvPr>
-            <p:ph type="body" idx="1"/>
-          </p:nvPr>
+          <p:cNvPr id="9" name="TextBox 8">
+            <a:extLst>
+              <a:ext uri="{FF2B5EF4-FFF2-40B4-BE49-F238E27FC236}">
+                <a16:creationId xmlns:a16="http://schemas.microsoft.com/office/drawing/2014/main" id="{36D7E0B5-18D3-8B27-E67B-5115D6CFD9BC}"/>
+              </a:ext>
+            </a:extLst>
+          </p:cNvPr>
+          <p:cNvSpPr txBox="1"/>
+          <p:nvPr/>
         </p:nvSpPr>
         <p:spPr>
           <a:xfrm>
-            <a:off x="838200" y="1825625"/>
-            <a:ext cx="10515600" cy="4351338"/>
+            <a:off x="8713237" y="756937"/>
+            <a:ext cx="2412330" cy="307777"/>
           </a:xfrm>
           <a:prstGeom prst="rect">
             <a:avLst/>
           </a:prstGeom>
           <a:noFill/>
+        </p:spPr>
+        <p:txBody>
+          <a:bodyPr wrap="square" rtlCol="0">
+            <a:spAutoFit/>
+          </a:bodyPr>
+          <a:lstStyle/>
+          <a:p>
+            <a:r>
+              <a:rPr lang="en-US" dirty="0"/>
+              <a:t>User interface (shell)</a:t>
+            </a:r>
+            <a:endParaRPr lang="en-IL" dirty="0"/>
+          </a:p>
+        </p:txBody>
+      </p:sp>
+      <p:sp>
+        <p:nvSpPr>
+          <p:cNvPr id="10" name="Oval 9">
+            <a:extLst>
+              <a:ext uri="{FF2B5EF4-FFF2-40B4-BE49-F238E27FC236}">
+                <a16:creationId xmlns:a16="http://schemas.microsoft.com/office/drawing/2014/main" id="{0DB32582-B2AF-8EE3-249C-2DC3DC6927E1}"/>
+              </a:ext>
+            </a:extLst>
+          </p:cNvPr>
+          <p:cNvSpPr/>
+          <p:nvPr/>
+        </p:nvSpPr>
+        <p:spPr>
+          <a:xfrm flipV="1">
+            <a:off x="8622331" y="1873812"/>
+            <a:ext cx="130783" cy="130102"/>
+          </a:xfrm>
+          <a:prstGeom prst="ellipse">
+            <a:avLst/>
+          </a:prstGeom>
+          <a:solidFill>
+            <a:schemeClr val="accent2"/>
+          </a:solidFill>
           <a:ln>
-            <a:noFill/>
+            <a:solidFill>
+              <a:schemeClr val="accent2"/>
+            </a:solidFill>
           </a:ln>
         </p:spPr>
+        <p:style>
+          <a:lnRef idx="2">
+            <a:schemeClr val="accent1">
+              <a:shade val="15000"/>
+            </a:schemeClr>
+          </a:lnRef>
+          <a:fillRef idx="1">
+            <a:schemeClr val="accent1"/>
+          </a:fillRef>
+          <a:effectRef idx="0">
+            <a:schemeClr val="accent1"/>
+          </a:effectRef>
+          <a:fontRef idx="minor">
+            <a:schemeClr val="lt1"/>
+          </a:fontRef>
+        </p:style>
         <p:txBody>
-          <a:bodyPr spcFirstLastPara="1" wrap="square" lIns="91425" tIns="45700" rIns="91425" bIns="45700" anchor="t" anchorCtr="0">
-            <a:normAutofit/>
+          <a:bodyPr rtlCol="0" anchor="ctr"/>
+          <a:lstStyle/>
+          <a:p>
+            <a:pPr algn="ctr"/>
+            <a:endParaRPr lang="en-IL"/>
+          </a:p>
+        </p:txBody>
+      </p:sp>
+      <p:sp>
+        <p:nvSpPr>
+          <p:cNvPr id="11" name="Oval 10">
+            <a:extLst>
+              <a:ext uri="{FF2B5EF4-FFF2-40B4-BE49-F238E27FC236}">
+                <a16:creationId xmlns:a16="http://schemas.microsoft.com/office/drawing/2014/main" id="{6F4C30A1-809F-D55C-B451-6E1AB58E06B0}"/>
+              </a:ext>
+            </a:extLst>
+          </p:cNvPr>
+          <p:cNvSpPr/>
+          <p:nvPr/>
+        </p:nvSpPr>
+        <p:spPr>
+          <a:xfrm flipV="1">
+            <a:off x="8626952" y="3060678"/>
+            <a:ext cx="130783" cy="130102"/>
+          </a:xfrm>
+          <a:prstGeom prst="ellipse">
+            <a:avLst/>
+          </a:prstGeom>
+          <a:solidFill>
+            <a:schemeClr val="accent2"/>
+          </a:solidFill>
+          <a:ln>
+            <a:solidFill>
+              <a:schemeClr val="accent2"/>
+            </a:solidFill>
+          </a:ln>
+        </p:spPr>
+        <p:style>
+          <a:lnRef idx="2">
+            <a:schemeClr val="accent1">
+              <a:shade val="15000"/>
+            </a:schemeClr>
+          </a:lnRef>
+          <a:fillRef idx="1">
+            <a:schemeClr val="accent1"/>
+          </a:fillRef>
+          <a:effectRef idx="0">
+            <a:schemeClr val="accent1"/>
+          </a:effectRef>
+          <a:fontRef idx="minor">
+            <a:schemeClr val="lt1"/>
+          </a:fontRef>
+        </p:style>
+        <p:txBody>
+          <a:bodyPr rtlCol="0" anchor="ctr"/>
+          <a:lstStyle/>
+          <a:p>
+            <a:pPr algn="ctr"/>
+            <a:endParaRPr lang="en-IL"/>
+          </a:p>
+        </p:txBody>
+      </p:sp>
+      <p:sp>
+        <p:nvSpPr>
+          <p:cNvPr id="12" name="TextBox 11">
+            <a:extLst>
+              <a:ext uri="{FF2B5EF4-FFF2-40B4-BE49-F238E27FC236}">
+                <a16:creationId xmlns:a16="http://schemas.microsoft.com/office/drawing/2014/main" id="{E2D6790C-3DD5-B0F5-B244-B9E4B6C90E18}"/>
+              </a:ext>
+            </a:extLst>
+          </p:cNvPr>
+          <p:cNvSpPr txBox="1"/>
+          <p:nvPr/>
+        </p:nvSpPr>
+        <p:spPr>
+          <a:xfrm>
+            <a:off x="8761612" y="2971840"/>
+            <a:ext cx="2412330" cy="307777"/>
+          </a:xfrm>
+          <a:prstGeom prst="rect">
+            <a:avLst/>
+          </a:prstGeom>
+          <a:noFill/>
+        </p:spPr>
+        <p:txBody>
+          <a:bodyPr wrap="square" rtlCol="0">
+            <a:spAutoFit/>
           </a:bodyPr>
           <a:lstStyle/>
           <a:p>
-            <a:pPr marL="228600" lvl="0" indent="-228600" algn="l" rtl="0">
-              <a:lnSpc>
-                <a:spcPct val="90000"/>
-              </a:lnSpc>
-              <a:spcBef>
-                <a:spcPts val="0"/>
-              </a:spcBef>
-              <a:spcAft>
-                <a:spcPts val="0"/>
-              </a:spcAft>
-              <a:buClr>
-                <a:schemeClr val="dk1"/>
-              </a:buClr>
-              <a:buSzPts val="2800"/>
-              <a:buChar char="•"/>
-            </a:pPr>
             <a:r>
-              <a:rPr lang="en-IL"/>
-              <a:t>Use draw.io to describe a block diagram of the project steps, and in addition a chart of the timeline</a:t>
+              <a:rPr lang="en-US" dirty="0"/>
+              <a:t>Testing</a:t>
             </a:r>
-            <a:endParaRPr/>
+            <a:endParaRPr lang="en-IL" dirty="0"/>
+          </a:p>
+        </p:txBody>
+      </p:sp>
+      <p:sp>
+        <p:nvSpPr>
+          <p:cNvPr id="13" name="TextBox 12">
+            <a:extLst>
+              <a:ext uri="{FF2B5EF4-FFF2-40B4-BE49-F238E27FC236}">
+                <a16:creationId xmlns:a16="http://schemas.microsoft.com/office/drawing/2014/main" id="{CDC3F7C7-55EF-3347-998C-AA4BB99B1C72}"/>
+              </a:ext>
+            </a:extLst>
+          </p:cNvPr>
+          <p:cNvSpPr txBox="1"/>
+          <p:nvPr/>
+        </p:nvSpPr>
+        <p:spPr>
+          <a:xfrm>
+            <a:off x="8713237" y="1800612"/>
+            <a:ext cx="2412330" cy="307777"/>
+          </a:xfrm>
+          <a:prstGeom prst="rect">
+            <a:avLst/>
+          </a:prstGeom>
+          <a:noFill/>
+        </p:spPr>
+        <p:txBody>
+          <a:bodyPr wrap="square" rtlCol="0">
+            <a:spAutoFit/>
+          </a:bodyPr>
+          <a:lstStyle/>
+          <a:p>
+            <a:r>
+              <a:rPr lang="en-US" dirty="0"/>
+              <a:t>Workflow management</a:t>
+            </a:r>
+            <a:endParaRPr lang="en-IL" dirty="0"/>
+          </a:p>
+        </p:txBody>
+      </p:sp>
+      <p:cxnSp>
+        <p:nvCxnSpPr>
+          <p:cNvPr id="18" name="Straight Connector 17">
+            <a:extLst>
+              <a:ext uri="{FF2B5EF4-FFF2-40B4-BE49-F238E27FC236}">
+                <a16:creationId xmlns:a16="http://schemas.microsoft.com/office/drawing/2014/main" id="{69C5EA0C-3B39-B6D0-821D-346C125DF57F}"/>
+              </a:ext>
+            </a:extLst>
+          </p:cNvPr>
+          <p:cNvCxnSpPr/>
+          <p:nvPr/>
+        </p:nvCxnSpPr>
+        <p:spPr>
+          <a:xfrm>
+            <a:off x="8561163" y="379612"/>
+            <a:ext cx="270339" cy="0"/>
+          </a:xfrm>
+          <a:prstGeom prst="line">
+            <a:avLst/>
+          </a:prstGeom>
+          <a:ln w="38100">
+            <a:solidFill>
+              <a:schemeClr val="accent2"/>
+            </a:solidFill>
+          </a:ln>
+        </p:spPr>
+        <p:style>
+          <a:lnRef idx="1">
+            <a:schemeClr val="accent1"/>
+          </a:lnRef>
+          <a:fillRef idx="0">
+            <a:schemeClr val="accent1"/>
+          </a:fillRef>
+          <a:effectRef idx="0">
+            <a:schemeClr val="accent1"/>
+          </a:effectRef>
+          <a:fontRef idx="minor">
+            <a:schemeClr val="tx1"/>
+          </a:fontRef>
+        </p:style>
+      </p:cxnSp>
+      <p:sp>
+        <p:nvSpPr>
+          <p:cNvPr id="19" name="TextBox 18">
+            <a:extLst>
+              <a:ext uri="{FF2B5EF4-FFF2-40B4-BE49-F238E27FC236}">
+                <a16:creationId xmlns:a16="http://schemas.microsoft.com/office/drawing/2014/main" id="{16DC38AC-A517-4759-AAA0-1342D74F0C47}"/>
+              </a:ext>
+            </a:extLst>
+          </p:cNvPr>
+          <p:cNvSpPr txBox="1"/>
+          <p:nvPr/>
+        </p:nvSpPr>
+        <p:spPr>
+          <a:xfrm>
+            <a:off x="7855642" y="255385"/>
+            <a:ext cx="2412330" cy="230832"/>
+          </a:xfrm>
+          <a:prstGeom prst="rect">
+            <a:avLst/>
+          </a:prstGeom>
+          <a:noFill/>
+        </p:spPr>
+        <p:txBody>
+          <a:bodyPr wrap="square" rtlCol="0">
+            <a:spAutoFit/>
+          </a:bodyPr>
+          <a:lstStyle/>
+          <a:p>
+            <a:r>
+              <a:rPr lang="en-US" sz="900" dirty="0">
+                <a:solidFill>
+                  <a:schemeClr val="accent2"/>
+                </a:solidFill>
+              </a:rPr>
+              <a:t>Semester A</a:t>
+            </a:r>
+            <a:endParaRPr lang="en-IL" sz="900" dirty="0">
+              <a:solidFill>
+                <a:schemeClr val="accent2"/>
+              </a:solidFill>
+            </a:endParaRPr>
+          </a:p>
+        </p:txBody>
+      </p:sp>
+      <p:cxnSp>
+        <p:nvCxnSpPr>
+          <p:cNvPr id="20" name="Straight Connector 19">
+            <a:extLst>
+              <a:ext uri="{FF2B5EF4-FFF2-40B4-BE49-F238E27FC236}">
+                <a16:creationId xmlns:a16="http://schemas.microsoft.com/office/drawing/2014/main" id="{D968BA9D-D48E-6DA1-91D6-BC19B6530595}"/>
+              </a:ext>
+            </a:extLst>
+          </p:cNvPr>
+          <p:cNvCxnSpPr/>
+          <p:nvPr/>
+        </p:nvCxnSpPr>
+        <p:spPr>
+          <a:xfrm>
+            <a:off x="8569629" y="3142058"/>
+            <a:ext cx="270339" cy="0"/>
+          </a:xfrm>
+          <a:prstGeom prst="line">
+            <a:avLst/>
+          </a:prstGeom>
+          <a:ln w="38100">
+            <a:solidFill>
+              <a:schemeClr val="accent2"/>
+            </a:solidFill>
+          </a:ln>
+        </p:spPr>
+        <p:style>
+          <a:lnRef idx="1">
+            <a:schemeClr val="accent1"/>
+          </a:lnRef>
+          <a:fillRef idx="0">
+            <a:schemeClr val="accent1"/>
+          </a:fillRef>
+          <a:effectRef idx="0">
+            <a:schemeClr val="accent1"/>
+          </a:effectRef>
+          <a:fontRef idx="minor">
+            <a:schemeClr val="tx1"/>
+          </a:fontRef>
+        </p:style>
+      </p:cxnSp>
+      <p:sp>
+        <p:nvSpPr>
+          <p:cNvPr id="21" name="TextBox 20">
+            <a:extLst>
+              <a:ext uri="{FF2B5EF4-FFF2-40B4-BE49-F238E27FC236}">
+                <a16:creationId xmlns:a16="http://schemas.microsoft.com/office/drawing/2014/main" id="{43563944-8913-8782-60F8-A12788D21B5C}"/>
+              </a:ext>
+            </a:extLst>
+          </p:cNvPr>
+          <p:cNvSpPr txBox="1"/>
+          <p:nvPr/>
+        </p:nvSpPr>
+        <p:spPr>
+          <a:xfrm>
+            <a:off x="7855642" y="3026642"/>
+            <a:ext cx="2412330" cy="230832"/>
+          </a:xfrm>
+          <a:prstGeom prst="rect">
+            <a:avLst/>
+          </a:prstGeom>
+          <a:noFill/>
+        </p:spPr>
+        <p:txBody>
+          <a:bodyPr wrap="square" rtlCol="0">
+            <a:spAutoFit/>
+          </a:bodyPr>
+          <a:lstStyle/>
+          <a:p>
+            <a:r>
+              <a:rPr lang="en-US" sz="900" dirty="0">
+                <a:solidFill>
+                  <a:schemeClr val="accent2"/>
+                </a:solidFill>
+              </a:rPr>
+              <a:t>Semester B</a:t>
+            </a:r>
+            <a:endParaRPr lang="en-IL" sz="900" dirty="0">
+              <a:solidFill>
+                <a:schemeClr val="accent2"/>
+              </a:solidFill>
+            </a:endParaRPr>
+          </a:p>
+        </p:txBody>
+      </p:sp>
+      <p:sp>
+        <p:nvSpPr>
+          <p:cNvPr id="22" name="Oval 21">
+            <a:extLst>
+              <a:ext uri="{FF2B5EF4-FFF2-40B4-BE49-F238E27FC236}">
+                <a16:creationId xmlns:a16="http://schemas.microsoft.com/office/drawing/2014/main" id="{79B675EC-AE92-6911-F509-C649DFBC26AB}"/>
+              </a:ext>
+            </a:extLst>
+          </p:cNvPr>
+          <p:cNvSpPr/>
+          <p:nvPr/>
+        </p:nvSpPr>
+        <p:spPr>
+          <a:xfrm flipV="1">
+            <a:off x="8630795" y="4633952"/>
+            <a:ext cx="130783" cy="130102"/>
+          </a:xfrm>
+          <a:prstGeom prst="ellipse">
+            <a:avLst/>
+          </a:prstGeom>
+          <a:solidFill>
+            <a:schemeClr val="accent2"/>
+          </a:solidFill>
+          <a:ln>
+            <a:solidFill>
+              <a:schemeClr val="accent2"/>
+            </a:solidFill>
+          </a:ln>
+        </p:spPr>
+        <p:style>
+          <a:lnRef idx="2">
+            <a:schemeClr val="accent1">
+              <a:shade val="15000"/>
+            </a:schemeClr>
+          </a:lnRef>
+          <a:fillRef idx="1">
+            <a:schemeClr val="accent1"/>
+          </a:fillRef>
+          <a:effectRef idx="0">
+            <a:schemeClr val="accent1"/>
+          </a:effectRef>
+          <a:fontRef idx="minor">
+            <a:schemeClr val="lt1"/>
+          </a:fontRef>
+        </p:style>
+        <p:txBody>
+          <a:bodyPr rtlCol="0" anchor="ctr"/>
+          <a:lstStyle/>
+          <a:p>
+            <a:pPr algn="ctr"/>
+            <a:endParaRPr lang="en-IL"/>
+          </a:p>
+        </p:txBody>
+      </p:sp>
+      <p:sp>
+        <p:nvSpPr>
+          <p:cNvPr id="23" name="TextBox 22">
+            <a:extLst>
+              <a:ext uri="{FF2B5EF4-FFF2-40B4-BE49-F238E27FC236}">
+                <a16:creationId xmlns:a16="http://schemas.microsoft.com/office/drawing/2014/main" id="{B3101969-7B47-E0E4-8771-ABD9EFFF09F6}"/>
+              </a:ext>
+            </a:extLst>
+          </p:cNvPr>
+          <p:cNvSpPr txBox="1"/>
+          <p:nvPr/>
+        </p:nvSpPr>
+        <p:spPr>
+          <a:xfrm>
+            <a:off x="8721701" y="4560752"/>
+            <a:ext cx="2412330" cy="307777"/>
+          </a:xfrm>
+          <a:prstGeom prst="rect">
+            <a:avLst/>
+          </a:prstGeom>
+          <a:noFill/>
+        </p:spPr>
+        <p:txBody>
+          <a:bodyPr wrap="square" rtlCol="0">
+            <a:spAutoFit/>
+          </a:bodyPr>
+          <a:lstStyle/>
+          <a:p>
+            <a:r>
+              <a:rPr lang="en-US" dirty="0"/>
+              <a:t>Workflow management</a:t>
+            </a:r>
+            <a:endParaRPr lang="en-IL" dirty="0"/>
+          </a:p>
+        </p:txBody>
+      </p:sp>
+      <p:sp>
+        <p:nvSpPr>
+          <p:cNvPr id="2" name="Oval 1">
+            <a:extLst>
+              <a:ext uri="{FF2B5EF4-FFF2-40B4-BE49-F238E27FC236}">
+                <a16:creationId xmlns:a16="http://schemas.microsoft.com/office/drawing/2014/main" id="{99FE3FE1-92A1-DBA8-1385-83CF464DD3A8}"/>
+              </a:ext>
+            </a:extLst>
+          </p:cNvPr>
+          <p:cNvSpPr/>
+          <p:nvPr/>
+        </p:nvSpPr>
+        <p:spPr>
+          <a:xfrm flipV="1">
+            <a:off x="8626179" y="5894712"/>
+            <a:ext cx="130783" cy="130102"/>
+          </a:xfrm>
+          <a:prstGeom prst="ellipse">
+            <a:avLst/>
+          </a:prstGeom>
+          <a:solidFill>
+            <a:schemeClr val="accent2"/>
+          </a:solidFill>
+          <a:ln>
+            <a:solidFill>
+              <a:schemeClr val="accent2"/>
+            </a:solidFill>
+          </a:ln>
+        </p:spPr>
+        <p:style>
+          <a:lnRef idx="2">
+            <a:schemeClr val="accent1">
+              <a:shade val="15000"/>
+            </a:schemeClr>
+          </a:lnRef>
+          <a:fillRef idx="1">
+            <a:schemeClr val="accent1"/>
+          </a:fillRef>
+          <a:effectRef idx="0">
+            <a:schemeClr val="accent1"/>
+          </a:effectRef>
+          <a:fontRef idx="minor">
+            <a:schemeClr val="lt1"/>
+          </a:fontRef>
+        </p:style>
+        <p:txBody>
+          <a:bodyPr rtlCol="0" anchor="ctr"/>
+          <a:lstStyle/>
+          <a:p>
+            <a:pPr algn="ctr"/>
+            <a:endParaRPr lang="en-IL"/>
+          </a:p>
+        </p:txBody>
+      </p:sp>
+      <p:sp>
+        <p:nvSpPr>
+          <p:cNvPr id="3" name="TextBox 2">
+            <a:extLst>
+              <a:ext uri="{FF2B5EF4-FFF2-40B4-BE49-F238E27FC236}">
+                <a16:creationId xmlns:a16="http://schemas.microsoft.com/office/drawing/2014/main" id="{466DFF6D-5FDA-9736-DBA0-5701D7732A85}"/>
+              </a:ext>
+            </a:extLst>
+          </p:cNvPr>
+          <p:cNvSpPr txBox="1"/>
+          <p:nvPr/>
+        </p:nvSpPr>
+        <p:spPr>
+          <a:xfrm>
+            <a:off x="8717085" y="5821512"/>
+            <a:ext cx="2412330" cy="307777"/>
+          </a:xfrm>
+          <a:prstGeom prst="rect">
+            <a:avLst/>
+          </a:prstGeom>
+          <a:noFill/>
+        </p:spPr>
+        <p:txBody>
+          <a:bodyPr wrap="square" rtlCol="0">
+            <a:spAutoFit/>
+          </a:bodyPr>
+          <a:lstStyle/>
+          <a:p>
+            <a:r>
+              <a:rPr lang="en-US" dirty="0"/>
+              <a:t>E2E Testing</a:t>
+            </a:r>
+            <a:endParaRPr lang="en-IL" dirty="0"/>
+          </a:p>
+        </p:txBody>
+      </p:sp>
+      <p:sp>
+        <p:nvSpPr>
+          <p:cNvPr id="4" name="Left Brace 3">
+            <a:extLst>
+              <a:ext uri="{FF2B5EF4-FFF2-40B4-BE49-F238E27FC236}">
+                <a16:creationId xmlns:a16="http://schemas.microsoft.com/office/drawing/2014/main" id="{F2F1C839-4B20-6409-C978-37FF61DFDD54}"/>
+              </a:ext>
+            </a:extLst>
+          </p:cNvPr>
+          <p:cNvSpPr/>
+          <p:nvPr/>
+        </p:nvSpPr>
+        <p:spPr>
+          <a:xfrm>
+            <a:off x="8500012" y="379612"/>
+            <a:ext cx="130783" cy="526274"/>
+          </a:xfrm>
+          <a:prstGeom prst="leftBrace">
+            <a:avLst/>
+          </a:prstGeom>
+          <a:ln w="19050">
+            <a:solidFill>
+              <a:schemeClr val="accent2"/>
+            </a:solidFill>
+          </a:ln>
+        </p:spPr>
+        <p:style>
+          <a:lnRef idx="1">
+            <a:schemeClr val="accent1"/>
+          </a:lnRef>
+          <a:fillRef idx="0">
+            <a:schemeClr val="accent1"/>
+          </a:fillRef>
+          <a:effectRef idx="0">
+            <a:schemeClr val="accent1"/>
+          </a:effectRef>
+          <a:fontRef idx="minor">
+            <a:schemeClr val="tx1"/>
+          </a:fontRef>
+        </p:style>
+        <p:txBody>
+          <a:bodyPr rtlCol="0" anchor="ctr"/>
+          <a:lstStyle/>
+          <a:p>
+            <a:pPr algn="ctr"/>
+            <a:endParaRPr lang="en-IL"/>
+          </a:p>
+        </p:txBody>
+      </p:sp>
+      <p:sp>
+        <p:nvSpPr>
+          <p:cNvPr id="6" name="Left Brace 5">
+            <a:extLst>
+              <a:ext uri="{FF2B5EF4-FFF2-40B4-BE49-F238E27FC236}">
+                <a16:creationId xmlns:a16="http://schemas.microsoft.com/office/drawing/2014/main" id="{8ACF0844-15EC-0550-6F2B-0C845F2F3A07}"/>
+              </a:ext>
+            </a:extLst>
+          </p:cNvPr>
+          <p:cNvSpPr/>
+          <p:nvPr/>
+        </p:nvSpPr>
+        <p:spPr>
+          <a:xfrm>
+            <a:off x="8504425" y="938297"/>
+            <a:ext cx="140978" cy="992435"/>
+          </a:xfrm>
+          <a:prstGeom prst="leftBrace">
+            <a:avLst/>
+          </a:prstGeom>
+          <a:ln w="19050">
+            <a:solidFill>
+              <a:schemeClr val="accent2"/>
+            </a:solidFill>
+          </a:ln>
+        </p:spPr>
+        <p:style>
+          <a:lnRef idx="1">
+            <a:schemeClr val="accent1"/>
+          </a:lnRef>
+          <a:fillRef idx="0">
+            <a:schemeClr val="accent1"/>
+          </a:fillRef>
+          <a:effectRef idx="0">
+            <a:schemeClr val="accent1"/>
+          </a:effectRef>
+          <a:fontRef idx="minor">
+            <a:schemeClr val="tx1"/>
+          </a:fontRef>
+        </p:style>
+        <p:txBody>
+          <a:bodyPr rtlCol="0" anchor="ctr"/>
+          <a:lstStyle/>
+          <a:p>
+            <a:pPr algn="ctr"/>
+            <a:endParaRPr lang="en-IL"/>
+          </a:p>
+        </p:txBody>
+      </p:sp>
+      <p:sp>
+        <p:nvSpPr>
+          <p:cNvPr id="14" name="Left Brace 13">
+            <a:extLst>
+              <a:ext uri="{FF2B5EF4-FFF2-40B4-BE49-F238E27FC236}">
+                <a16:creationId xmlns:a16="http://schemas.microsoft.com/office/drawing/2014/main" id="{908E3124-FE24-EBFF-23FA-8F3F3B747063}"/>
+              </a:ext>
+            </a:extLst>
+          </p:cNvPr>
+          <p:cNvSpPr/>
+          <p:nvPr/>
+        </p:nvSpPr>
+        <p:spPr>
+          <a:xfrm>
+            <a:off x="8527720" y="1971422"/>
+            <a:ext cx="101415" cy="1120298"/>
+          </a:xfrm>
+          <a:prstGeom prst="leftBrace">
+            <a:avLst/>
+          </a:prstGeom>
+          <a:ln w="19050">
+            <a:solidFill>
+              <a:schemeClr val="accent2"/>
+            </a:solidFill>
+          </a:ln>
+        </p:spPr>
+        <p:style>
+          <a:lnRef idx="1">
+            <a:schemeClr val="accent1"/>
+          </a:lnRef>
+          <a:fillRef idx="0">
+            <a:schemeClr val="accent1"/>
+          </a:fillRef>
+          <a:effectRef idx="0">
+            <a:schemeClr val="accent1"/>
+          </a:effectRef>
+          <a:fontRef idx="minor">
+            <a:schemeClr val="tx1"/>
+          </a:fontRef>
+        </p:style>
+        <p:txBody>
+          <a:bodyPr rtlCol="0" anchor="ctr"/>
+          <a:lstStyle/>
+          <a:p>
+            <a:pPr algn="ctr"/>
+            <a:endParaRPr lang="en-IL"/>
+          </a:p>
+        </p:txBody>
+      </p:sp>
+      <p:sp>
+        <p:nvSpPr>
+          <p:cNvPr id="16" name="Left Brace 15">
+            <a:extLst>
+              <a:ext uri="{FF2B5EF4-FFF2-40B4-BE49-F238E27FC236}">
+                <a16:creationId xmlns:a16="http://schemas.microsoft.com/office/drawing/2014/main" id="{168C36B1-5DAB-70B4-042C-9F5538EE0290}"/>
+              </a:ext>
+            </a:extLst>
+          </p:cNvPr>
+          <p:cNvSpPr/>
+          <p:nvPr/>
+        </p:nvSpPr>
+        <p:spPr>
+          <a:xfrm>
+            <a:off x="8514234" y="3173099"/>
+            <a:ext cx="164252" cy="1460837"/>
+          </a:xfrm>
+          <a:prstGeom prst="leftBrace">
+            <a:avLst/>
+          </a:prstGeom>
+          <a:ln w="19050">
+            <a:solidFill>
+              <a:schemeClr val="accent2"/>
+            </a:solidFill>
+          </a:ln>
+        </p:spPr>
+        <p:style>
+          <a:lnRef idx="1">
+            <a:schemeClr val="accent1"/>
+          </a:lnRef>
+          <a:fillRef idx="0">
+            <a:schemeClr val="accent1"/>
+          </a:fillRef>
+          <a:effectRef idx="0">
+            <a:schemeClr val="accent1"/>
+          </a:effectRef>
+          <a:fontRef idx="minor">
+            <a:schemeClr val="tx1"/>
+          </a:fontRef>
+        </p:style>
+        <p:txBody>
+          <a:bodyPr rtlCol="0" anchor="ctr"/>
+          <a:lstStyle/>
+          <a:p>
+            <a:pPr algn="ctr"/>
+            <a:endParaRPr lang="en-IL"/>
+          </a:p>
+        </p:txBody>
+      </p:sp>
+      <p:sp>
+        <p:nvSpPr>
+          <p:cNvPr id="17" name="Left Brace 16">
+            <a:extLst>
+              <a:ext uri="{FF2B5EF4-FFF2-40B4-BE49-F238E27FC236}">
+                <a16:creationId xmlns:a16="http://schemas.microsoft.com/office/drawing/2014/main" id="{7A3DB31B-0D8A-3CF8-D69F-F39CF287469E}"/>
+              </a:ext>
+            </a:extLst>
+          </p:cNvPr>
+          <p:cNvSpPr/>
+          <p:nvPr/>
+        </p:nvSpPr>
+        <p:spPr>
+          <a:xfrm>
+            <a:off x="8500012" y="4714640"/>
+            <a:ext cx="162969" cy="1273631"/>
+          </a:xfrm>
+          <a:prstGeom prst="leftBrace">
+            <a:avLst/>
+          </a:prstGeom>
+          <a:ln w="19050">
+            <a:solidFill>
+              <a:schemeClr val="accent2"/>
+            </a:solidFill>
+          </a:ln>
+        </p:spPr>
+        <p:style>
+          <a:lnRef idx="1">
+            <a:schemeClr val="accent1"/>
+          </a:lnRef>
+          <a:fillRef idx="0">
+            <a:schemeClr val="accent1"/>
+          </a:fillRef>
+          <a:effectRef idx="0">
+            <a:schemeClr val="accent1"/>
+          </a:effectRef>
+          <a:fontRef idx="minor">
+            <a:schemeClr val="tx1"/>
+          </a:fontRef>
+        </p:style>
+        <p:txBody>
+          <a:bodyPr rtlCol="0" anchor="ctr"/>
+          <a:lstStyle/>
+          <a:p>
+            <a:pPr algn="ctr"/>
+            <a:endParaRPr lang="en-IL"/>
+          </a:p>
+        </p:txBody>
+      </p:sp>
+      <p:sp>
+        <p:nvSpPr>
+          <p:cNvPr id="24" name="TextBox 23">
+            <a:extLst>
+              <a:ext uri="{FF2B5EF4-FFF2-40B4-BE49-F238E27FC236}">
+                <a16:creationId xmlns:a16="http://schemas.microsoft.com/office/drawing/2014/main" id="{B0A7171B-981F-5134-C7D6-B0688F50958C}"/>
+              </a:ext>
+            </a:extLst>
+          </p:cNvPr>
+          <p:cNvSpPr txBox="1"/>
+          <p:nvPr/>
+        </p:nvSpPr>
+        <p:spPr>
+          <a:xfrm rot="5400000">
+            <a:off x="7941177" y="688732"/>
+            <a:ext cx="965576" cy="261610"/>
+          </a:xfrm>
+          <a:prstGeom prst="rect">
+            <a:avLst/>
+          </a:prstGeom>
+          <a:noFill/>
+        </p:spPr>
+        <p:txBody>
+          <a:bodyPr wrap="square" rtlCol="0">
+            <a:spAutoFit/>
+          </a:bodyPr>
+          <a:lstStyle/>
+          <a:p>
+            <a:r>
+              <a:rPr lang="en-US" sz="1100" dirty="0"/>
+              <a:t>1 month</a:t>
+            </a:r>
+            <a:endParaRPr lang="en-IL" sz="1100" dirty="0"/>
+          </a:p>
+        </p:txBody>
+      </p:sp>
+      <p:sp>
+        <p:nvSpPr>
+          <p:cNvPr id="25" name="TextBox 24">
+            <a:extLst>
+              <a:ext uri="{FF2B5EF4-FFF2-40B4-BE49-F238E27FC236}">
+                <a16:creationId xmlns:a16="http://schemas.microsoft.com/office/drawing/2014/main" id="{BDEB57B8-6499-1BCB-6906-5DBD91801EBE}"/>
+              </a:ext>
+            </a:extLst>
+          </p:cNvPr>
+          <p:cNvSpPr txBox="1"/>
+          <p:nvPr/>
+        </p:nvSpPr>
+        <p:spPr>
+          <a:xfrm rot="5400000">
+            <a:off x="7936521" y="1452123"/>
+            <a:ext cx="922258" cy="261610"/>
+          </a:xfrm>
+          <a:prstGeom prst="rect">
+            <a:avLst/>
+          </a:prstGeom>
+          <a:noFill/>
+        </p:spPr>
+        <p:txBody>
+          <a:bodyPr wrap="square" rtlCol="0">
+            <a:spAutoFit/>
+          </a:bodyPr>
+          <a:lstStyle/>
+          <a:p>
+            <a:r>
+              <a:rPr lang="en-US" sz="1100" dirty="0"/>
+              <a:t>2 month</a:t>
+            </a:r>
+            <a:endParaRPr lang="en-IL" sz="1100" dirty="0"/>
+          </a:p>
+        </p:txBody>
+      </p:sp>
+      <p:sp>
+        <p:nvSpPr>
+          <p:cNvPr id="26" name="TextBox 25">
+            <a:extLst>
+              <a:ext uri="{FF2B5EF4-FFF2-40B4-BE49-F238E27FC236}">
+                <a16:creationId xmlns:a16="http://schemas.microsoft.com/office/drawing/2014/main" id="{A3262BF1-6E2F-1650-D702-8D9C4A6918B7}"/>
+              </a:ext>
+            </a:extLst>
+          </p:cNvPr>
+          <p:cNvSpPr txBox="1"/>
+          <p:nvPr/>
+        </p:nvSpPr>
+        <p:spPr>
+          <a:xfrm rot="5400000">
+            <a:off x="7931902" y="2509681"/>
+            <a:ext cx="922258" cy="261610"/>
+          </a:xfrm>
+          <a:prstGeom prst="rect">
+            <a:avLst/>
+          </a:prstGeom>
+          <a:noFill/>
+        </p:spPr>
+        <p:txBody>
+          <a:bodyPr wrap="square" rtlCol="0">
+            <a:spAutoFit/>
+          </a:bodyPr>
+          <a:lstStyle/>
+          <a:p>
+            <a:r>
+              <a:rPr lang="en-US" sz="1100" dirty="0"/>
+              <a:t>2 month</a:t>
+            </a:r>
+            <a:endParaRPr lang="en-IL" sz="1100" dirty="0"/>
+          </a:p>
+        </p:txBody>
+      </p:sp>
+      <p:sp>
+        <p:nvSpPr>
+          <p:cNvPr id="27" name="TextBox 26">
+            <a:extLst>
+              <a:ext uri="{FF2B5EF4-FFF2-40B4-BE49-F238E27FC236}">
+                <a16:creationId xmlns:a16="http://schemas.microsoft.com/office/drawing/2014/main" id="{561E89AC-8086-CAF5-7DF1-943104EA5B43}"/>
+              </a:ext>
+            </a:extLst>
+          </p:cNvPr>
+          <p:cNvSpPr txBox="1"/>
+          <p:nvPr/>
+        </p:nvSpPr>
+        <p:spPr>
+          <a:xfrm rot="5400000">
+            <a:off x="7968853" y="3904375"/>
+            <a:ext cx="922258" cy="261610"/>
+          </a:xfrm>
+          <a:prstGeom prst="rect">
+            <a:avLst/>
+          </a:prstGeom>
+          <a:noFill/>
+        </p:spPr>
+        <p:txBody>
+          <a:bodyPr wrap="square" rtlCol="0">
+            <a:spAutoFit/>
+          </a:bodyPr>
+          <a:lstStyle/>
+          <a:p>
+            <a:r>
+              <a:rPr lang="en-US" sz="1100" dirty="0"/>
+              <a:t>3 month</a:t>
+            </a:r>
+            <a:endParaRPr lang="en-IL" sz="1100" dirty="0"/>
+          </a:p>
+        </p:txBody>
+      </p:sp>
+      <p:sp>
+        <p:nvSpPr>
+          <p:cNvPr id="28" name="TextBox 27">
+            <a:extLst>
+              <a:ext uri="{FF2B5EF4-FFF2-40B4-BE49-F238E27FC236}">
+                <a16:creationId xmlns:a16="http://schemas.microsoft.com/office/drawing/2014/main" id="{697304B9-464D-C2C4-74FC-9857625A2864}"/>
+              </a:ext>
+            </a:extLst>
+          </p:cNvPr>
+          <p:cNvSpPr txBox="1"/>
+          <p:nvPr/>
+        </p:nvSpPr>
+        <p:spPr>
+          <a:xfrm rot="5400000">
+            <a:off x="7945758" y="5312925"/>
+            <a:ext cx="922258" cy="261610"/>
+          </a:xfrm>
+          <a:prstGeom prst="rect">
+            <a:avLst/>
+          </a:prstGeom>
+          <a:noFill/>
+        </p:spPr>
+        <p:txBody>
+          <a:bodyPr wrap="square" rtlCol="0">
+            <a:spAutoFit/>
+          </a:bodyPr>
+          <a:lstStyle/>
+          <a:p>
+            <a:r>
+              <a:rPr lang="en-US" sz="1100" dirty="0"/>
+              <a:t>2 month</a:t>
+            </a:r>
+            <a:endParaRPr lang="en-IL" sz="1100" dirty="0"/>
           </a:p>
         </p:txBody>
       </p:sp>
@@ -13175,7 +14236,7 @@
           <p:nvPr>
             <p:extLst>
               <p:ext uri="{D42A27DB-BD31-4B8C-83A1-F6EECF244321}">
-                <p14:modId xmlns:p14="http://schemas.microsoft.com/office/powerpoint/2010/main" val="3435664370"/>
+                <p14:modId xmlns:p14="http://schemas.microsoft.com/office/powerpoint/2010/main" val="2584232421"/>
               </p:ext>
             </p:extLst>
           </p:nvPr>
@@ -13751,7 +14812,7 @@
                             <a:schemeClr val="dk1"/>
                           </a:solidFill>
                         </a:rPr>
-                        <a:t>Mor Abu</a:t>
+                        <a:t>Mor Abo</a:t>
                       </a:r>
                       <a:endParaRPr sz="1800" u="none" strike="noStrike" cap="none" dirty="0">
                         <a:solidFill>
@@ -15575,52 +16636,75 @@
               <a:buChar char="•"/>
             </a:pPr>
             <a:r>
-              <a:rPr lang="en-IL"/>
-              <a:t>Describe the UI</a:t>
+              <a:rPr lang="en-US" dirty="0"/>
+              <a:t>Role based workflow management interface:</a:t>
             </a:r>
-            <a:endParaRPr dirty="0"/>
-          </a:p>
-          <a:p>
-            <a:pPr marL="228600" lvl="0" indent="-50800" algn="l" rtl="0">
-              <a:lnSpc>
-                <a:spcPct val="90000"/>
-              </a:lnSpc>
-              <a:spcBef>
-                <a:spcPts val="1000"/>
-              </a:spcBef>
-              <a:spcAft>
-                <a:spcPts val="0"/>
-              </a:spcAft>
-              <a:buClr>
-                <a:schemeClr val="dk1"/>
-              </a:buClr>
+          </a:p>
+          <a:p>
+            <a:pPr marL="685800" lvl="1" indent="-228600">
+              <a:spcBef>
+                <a:spcPts val="0"/>
+              </a:spcBef>
               <a:buSzPts val="2800"/>
-              <a:buNone/>
-            </a:pPr>
-            <a:endParaRPr dirty="0"/>
-          </a:p>
-          <a:p>
-            <a:pPr marL="228600" lvl="0" indent="-228600" algn="l" rtl="0">
-              <a:lnSpc>
-                <a:spcPct val="90000"/>
-              </a:lnSpc>
-              <a:spcBef>
-                <a:spcPts val="1000"/>
-              </a:spcBef>
-              <a:spcAft>
-                <a:spcPts val="0"/>
-              </a:spcAft>
-              <a:buClr>
-                <a:schemeClr val="dk1"/>
-              </a:buClr>
-              <a:buSzPts val="2800"/>
-              <a:buChar char="•"/>
             </a:pPr>
             <a:r>
-              <a:rPr lang="en-IL" dirty="0"/>
-              <a:t>User Study</a:t>
+              <a:rPr lang="en-US" dirty="0"/>
+              <a:t>View and filter content by subjects/keywords/classes.</a:t>
             </a:r>
-            <a:endParaRPr dirty="0"/>
+          </a:p>
+          <a:p>
+            <a:pPr marL="685800" lvl="1" indent="-228600">
+              <a:spcBef>
+                <a:spcPts val="0"/>
+              </a:spcBef>
+              <a:buSzPts val="2800"/>
+            </a:pPr>
+            <a:r>
+              <a:rPr lang="en-US" dirty="0"/>
+              <a:t>Creation and management of stems, meta-questions, questions, appendices. </a:t>
+            </a:r>
+          </a:p>
+          <a:p>
+            <a:pPr marL="685800" lvl="1" indent="-228600">
+              <a:spcBef>
+                <a:spcPts val="0"/>
+              </a:spcBef>
+              <a:buSzPts val="2800"/>
+            </a:pPr>
+            <a:r>
+              <a:rPr lang="en-US" dirty="0"/>
+              <a:t>Creation and management of possible solutions/distractors per question. </a:t>
+            </a:r>
+          </a:p>
+          <a:p>
+            <a:pPr marL="685800" lvl="1" indent="-228600">
+              <a:spcBef>
+                <a:spcPts val="0"/>
+              </a:spcBef>
+              <a:buSzPts val="2800"/>
+            </a:pPr>
+            <a:endParaRPr lang="en-US" dirty="0"/>
+          </a:p>
+          <a:p>
+            <a:pPr marL="228600" indent="-228600">
+              <a:spcBef>
+                <a:spcPts val="0"/>
+              </a:spcBef>
+              <a:buSzPts val="2800"/>
+            </a:pPr>
+            <a:r>
+              <a:rPr lang="en-US" dirty="0"/>
+              <a:t>Create new Exam</a:t>
+            </a:r>
+          </a:p>
+          <a:p>
+            <a:pPr marL="685800" lvl="1" indent="-228600">
+              <a:spcBef>
+                <a:spcPts val="0"/>
+              </a:spcBef>
+              <a:buSzPts val="2800"/>
+            </a:pPr>
+            <a:endParaRPr lang="en-US" dirty="0"/>
           </a:p>
         </p:txBody>
       </p:sp>
@@ -15711,10 +16795,16 @@
         <p:nvGraphicFramePr>
           <p:cNvPr id="122" name="Google Shape;122;p8"/>
           <p:cNvGraphicFramePr/>
-          <p:nvPr/>
+          <p:nvPr>
+            <p:extLst>
+              <p:ext uri="{D42A27DB-BD31-4B8C-83A1-F6EECF244321}">
+                <p14:modId xmlns:p14="http://schemas.microsoft.com/office/powerpoint/2010/main" val="340597391"/>
+              </p:ext>
+            </p:extLst>
+          </p:nvPr>
         </p:nvGraphicFramePr>
         <p:xfrm>
-          <a:off x="838200" y="3021379"/>
+          <a:off x="838200" y="1866833"/>
           <a:ext cx="10515600" cy="1854250"/>
         </p:xfrm>
         <a:graphic>
@@ -15756,10 +16846,10 @@
                         <a:buNone/>
                       </a:pPr>
                       <a:r>
-                        <a:rPr lang="en-IL" sz="1800" u="none" strike="noStrike" cap="none"/>
+                        <a:rPr lang="en-US" sz="1800" u="none" strike="noStrike" cap="none" dirty="0"/>
                         <a:t>Challenge</a:t>
                       </a:r>
-                      <a:endParaRPr/>
+                      <a:endParaRPr lang="en-US" dirty="0"/>
                     </a:p>
                   </a:txBody>
                   <a:tcPr marL="91450" marR="91450" marT="45725" marB="45725"/>
@@ -15779,10 +16869,10 @@
                         <a:buNone/>
                       </a:pPr>
                       <a:r>
-                        <a:rPr lang="en-IL" sz="1800"/>
+                        <a:rPr lang="en-US" sz="1800"/>
                         <a:t>How to overcome? (Bonus)</a:t>
                       </a:r>
-                      <a:endParaRPr/>
+                      <a:endParaRPr lang="en-US"/>
                     </a:p>
                   </a:txBody>
                   <a:tcPr marL="91450" marR="91450" marT="45725" marB="45725"/>
@@ -15808,7 +16898,11 @@
                         </a:spcAft>
                         <a:buNone/>
                       </a:pPr>
-                      <a:endParaRPr sz="1800"/>
+                      <a:r>
+                        <a:rPr lang="en-US" sz="1800"/>
+                        <a:t>We never Developed in JS</a:t>
+                      </a:r>
+                      <a:endParaRPr lang="en-US" sz="1800" dirty="0"/>
                     </a:p>
                   </a:txBody>
                   <a:tcPr marL="91450" marR="91450" marT="45725" marB="45725"/>
@@ -15827,7 +16921,11 @@
                         </a:spcAft>
                         <a:buNone/>
                       </a:pPr>
-                      <a:endParaRPr sz="1800"/>
+                      <a:r>
+                        <a:rPr lang="en-US" sz="1800"/>
+                        <a:t>Learn JS</a:t>
+                      </a:r>
+                      <a:endParaRPr lang="en-US" sz="1800" dirty="0"/>
                     </a:p>
                   </a:txBody>
                   <a:tcPr marL="91450" marR="91450" marT="45725" marB="45725"/>
@@ -15853,7 +16951,7 @@
                         </a:spcAft>
                         <a:buNone/>
                       </a:pPr>
-                      <a:endParaRPr sz="1800"/>
+                      <a:endParaRPr lang="en-US" sz="1800" dirty="0"/>
                     </a:p>
                   </a:txBody>
                   <a:tcPr marL="91450" marR="91450" marT="45725" marB="45725"/>
@@ -15872,7 +16970,7 @@
                         </a:spcAft>
                         <a:buNone/>
                       </a:pPr>
-                      <a:endParaRPr sz="1800"/>
+                      <a:endParaRPr lang="en-IL" sz="1800" dirty="0"/>
                     </a:p>
                   </a:txBody>
                   <a:tcPr marL="91450" marR="91450" marT="45725" marB="45725"/>
@@ -15898,7 +16996,7 @@
                         </a:spcAft>
                         <a:buNone/>
                       </a:pPr>
-                      <a:endParaRPr sz="1800"/>
+                      <a:endParaRPr lang="en-IL" sz="1800"/>
                     </a:p>
                   </a:txBody>
                   <a:tcPr marL="91450" marR="91450" marT="45725" marB="45725"/>
@@ -15917,7 +17015,7 @@
                         </a:spcAft>
                         <a:buNone/>
                       </a:pPr>
-                      <a:endParaRPr sz="1800"/>
+                      <a:endParaRPr lang="en-IL" sz="1800"/>
                     </a:p>
                   </a:txBody>
                   <a:tcPr marL="91450" marR="91450" marT="45725" marB="45725"/>
@@ -15943,7 +17041,7 @@
                         </a:spcAft>
                         <a:buNone/>
                       </a:pPr>
-                      <a:endParaRPr sz="1800"/>
+                      <a:endParaRPr lang="en-IL" sz="1800"/>
                     </a:p>
                   </a:txBody>
                   <a:tcPr marL="91450" marR="91450" marT="45725" marB="45725"/>
@@ -15962,7 +17060,7 @@
                         </a:spcAft>
                         <a:buNone/>
                       </a:pPr>
-                      <a:endParaRPr sz="1800"/>
+                      <a:endParaRPr lang="en-IL" sz="1800" dirty="0"/>
                     </a:p>
                   </a:txBody>
                   <a:tcPr marL="91450" marR="91450" marT="45725" marB="45725"/>
@@ -16545,4 +17643,10 @@
   <a:objectDefaults/>
   <a:extraClrSchemeLst/>
 </a:theme>
+</file>
+
+<file path=docMetadata/LabelInfo.xml><?xml version="1.0" encoding="utf-8"?>
+<clbl:labelList xmlns:clbl="http://schemas.microsoft.com/office/2020/mipLabelMetadata">
+  <clbl:label id="{f42aa342-8706-4288-bd11-ebb85995028c}" enabled="1" method="Standard" siteId="{72f988bf-86f1-41af-91ab-2d7cd011db47}" contentBits="0" removed="0"/>
+</clbl:labelList>
 </file>
--- a/docs/Exam Management System - PROPOSAL.pptx
+++ b/docs/Exam Management System - PROPOSAL.pptx
@@ -257,10 +257,69 @@
       <p15:sldGuideLst xmlns:p15="http://schemas.microsoft.com/office/powerpoint/2012/main"/>
     </p:ext>
     <p:ext uri="GoogleSlidesCustomDataVersion2">
-      <go:slidesCustomData xmlns:go="http://customooxmlschemas.google.com/" xmlns:ahyp="http://schemas.microsoft.com/office/drawing/2018/hyperlinkcolor" xmlns:p15="http://schemas.microsoft.com/office/powerpoint/2012/main" xmlns:p14="http://schemas.microsoft.com/office/powerpoint/2010/main" xmlns:com="http://schemas.openxmlformats.org/drawingml/2006/compatibility" xmlns:pvml="urn:schemas-microsoft-com:office:powerpoint" xmlns:v="urn:schemas-microsoft-com:vml" xmlns:o="urn:schemas-microsoft-com:office:office" xmlns:dgm="http://schemas.openxmlformats.org/drawingml/2006/diagram" xmlns:c="http://schemas.openxmlformats.org/drawingml/2006/chart" xmlns:mv="urn:schemas-microsoft-com:mac:vml" xmlns:mc="http://schemas.openxmlformats.org/markup-compatibility/2006" xmlns="" r:id="rId17" roundtripDataSignature="AMtx7mjHDiAdwHvLZK2bWmoRcue1Uht1hA=="/>
+      <go:slidesCustomData xmlns="" xmlns:mc="http://schemas.openxmlformats.org/markup-compatibility/2006" xmlns:mv="urn:schemas-microsoft-com:mac:vml" xmlns:c="http://schemas.openxmlformats.org/drawingml/2006/chart" xmlns:dgm="http://schemas.openxmlformats.org/drawingml/2006/diagram" xmlns:o="urn:schemas-microsoft-com:office:office" xmlns:v="urn:schemas-microsoft-com:vml" xmlns:pvml="urn:schemas-microsoft-com:office:powerpoint" xmlns:com="http://schemas.openxmlformats.org/drawingml/2006/compatibility" xmlns:p14="http://schemas.microsoft.com/office/powerpoint/2010/main" xmlns:p15="http://schemas.microsoft.com/office/powerpoint/2012/main" xmlns:ahyp="http://schemas.microsoft.com/office/drawing/2018/hyperlinkcolor" xmlns:go="http://customooxmlschemas.google.com/" r:id="rId17" roundtripDataSignature="AMtx7mjHDiAdwHvLZK2bWmoRcue1Uht1hA=="/>
     </p:ext>
   </p:extLst>
 </p:presentation>
+</file>
+
+<file path=ppt/changesInfos/changesInfo1.xml><?xml version="1.0" encoding="utf-8"?>
+<pc:chgInfo xmlns:a="http://schemas.openxmlformats.org/drawingml/2006/main" xmlns:r="http://schemas.openxmlformats.org/officeDocument/2006/relationships" xmlns:ac="http://schemas.microsoft.com/office/drawing/2013/main/command" xmlns:pc="http://schemas.microsoft.com/office/powerpoint/2013/main/command">
+  <pc:docChgLst>
+    <pc:chgData name="Tiefenbrunn, Roi" userId="e6c8707a-1ce8-474e-b552-2ce11046b0d8" providerId="ADAL" clId="{D77871D5-6EC8-42FC-A95C-A6DBB985721C}"/>
+    <pc:docChg chg="custSel mod modSld">
+      <pc:chgData name="Tiefenbrunn, Roi" userId="e6c8707a-1ce8-474e-b552-2ce11046b0d8" providerId="ADAL" clId="{D77871D5-6EC8-42FC-A95C-A6DBB985721C}" dt="2023-09-27T07:26:19.099" v="520" actId="20577"/>
+      <pc:docMkLst>
+        <pc:docMk/>
+      </pc:docMkLst>
+      <pc:sldChg chg="modSp mod">
+        <pc:chgData name="Tiefenbrunn, Roi" userId="e6c8707a-1ce8-474e-b552-2ce11046b0d8" providerId="ADAL" clId="{D77871D5-6EC8-42FC-A95C-A6DBB985721C}" dt="2023-09-27T07:26:19.099" v="520" actId="20577"/>
+        <pc:sldMkLst>
+          <pc:docMk/>
+          <pc:sldMk cId="0" sldId="262"/>
+        </pc:sldMkLst>
+        <pc:graphicFrameChg chg="modGraphic">
+          <ac:chgData name="Tiefenbrunn, Roi" userId="e6c8707a-1ce8-474e-b552-2ce11046b0d8" providerId="ADAL" clId="{D77871D5-6EC8-42FC-A95C-A6DBB985721C}" dt="2023-09-27T07:26:19.099" v="520" actId="20577"/>
+          <ac:graphicFrameMkLst>
+            <pc:docMk/>
+            <pc:sldMk cId="0" sldId="262"/>
+            <ac:graphicFrameMk id="122" creationId="{00000000-0000-0000-0000-000000000000}"/>
+          </ac:graphicFrameMkLst>
+        </pc:graphicFrameChg>
+      </pc:sldChg>
+      <pc:sldChg chg="modSp mod">
+        <pc:chgData name="Tiefenbrunn, Roi" userId="e6c8707a-1ce8-474e-b552-2ce11046b0d8" providerId="ADAL" clId="{D77871D5-6EC8-42FC-A95C-A6DBB985721C}" dt="2023-09-27T07:24:43.997" v="506" actId="15"/>
+        <pc:sldMkLst>
+          <pc:docMk/>
+          <pc:sldMk cId="0" sldId="263"/>
+        </pc:sldMkLst>
+        <pc:spChg chg="mod">
+          <ac:chgData name="Tiefenbrunn, Roi" userId="e6c8707a-1ce8-474e-b552-2ce11046b0d8" providerId="ADAL" clId="{D77871D5-6EC8-42FC-A95C-A6DBB985721C}" dt="2023-09-27T07:24:43.997" v="506" actId="15"/>
+          <ac:spMkLst>
+            <pc:docMk/>
+            <pc:sldMk cId="0" sldId="263"/>
+            <ac:spMk id="128" creationId="{00000000-0000-0000-0000-000000000000}"/>
+          </ac:spMkLst>
+        </pc:spChg>
+      </pc:sldChg>
+      <pc:sldChg chg="modSp mod">
+        <pc:chgData name="Tiefenbrunn, Roi" userId="e6c8707a-1ce8-474e-b552-2ce11046b0d8" providerId="ADAL" clId="{D77871D5-6EC8-42FC-A95C-A6DBB985721C}" dt="2023-09-27T07:13:59.901" v="159" actId="20577"/>
+        <pc:sldMkLst>
+          <pc:docMk/>
+          <pc:sldMk cId="0" sldId="264"/>
+        </pc:sldMkLst>
+        <pc:spChg chg="mod">
+          <ac:chgData name="Tiefenbrunn, Roi" userId="e6c8707a-1ce8-474e-b552-2ce11046b0d8" providerId="ADAL" clId="{D77871D5-6EC8-42FC-A95C-A6DBB985721C}" dt="2023-09-27T07:13:59.901" v="159" actId="20577"/>
+          <ac:spMkLst>
+            <pc:docMk/>
+            <pc:sldMk cId="0" sldId="264"/>
+            <ac:spMk id="134" creationId="{00000000-0000-0000-0000-000000000000}"/>
+          </ac:spMkLst>
+        </pc:spChg>
+      </pc:sldChg>
+    </pc:docChg>
+  </pc:docChgLst>
+</pc:chgInfo>
 </file>
 
 <file path=ppt/ink/ink1.xml><?xml version="1.0" encoding="utf-8"?>
@@ -12607,6 +12666,50 @@
             <a:r>
               <a:rPr lang="en-US" dirty="0"/>
               <a:t>The Project UI and BE will be developed in JavaScript</a:t>
+            </a:r>
+          </a:p>
+          <a:p>
+            <a:pPr marL="228600" lvl="0" indent="-228600" algn="l" rtl="0">
+              <a:lnSpc>
+                <a:spcPct val="90000"/>
+              </a:lnSpc>
+              <a:spcBef>
+                <a:spcPts val="0"/>
+              </a:spcBef>
+              <a:spcAft>
+                <a:spcPts val="0"/>
+              </a:spcAft>
+              <a:buClr>
+                <a:schemeClr val="dk1"/>
+              </a:buClr>
+              <a:buSzPts val="2800"/>
+              <a:buChar char="•"/>
+            </a:pPr>
+            <a:r>
+              <a:rPr lang="en-US" dirty="0"/>
+              <a:t>System state and information will be managed in PostgreSQL – an SQL based DB</a:t>
+            </a:r>
+          </a:p>
+          <a:p>
+            <a:pPr marL="228600" lvl="0" indent="-228600" algn="l" rtl="0">
+              <a:lnSpc>
+                <a:spcPct val="90000"/>
+              </a:lnSpc>
+              <a:spcBef>
+                <a:spcPts val="0"/>
+              </a:spcBef>
+              <a:spcAft>
+                <a:spcPts val="0"/>
+              </a:spcAft>
+              <a:buClr>
+                <a:schemeClr val="dk1"/>
+              </a:buClr>
+              <a:buSzPts val="2800"/>
+              <a:buChar char="•"/>
+            </a:pPr>
+            <a:r>
+              <a:rPr lang="en-US" dirty="0"/>
+              <a:t>Document generation will be done in LaTeX</a:t>
             </a:r>
             <a:endParaRPr dirty="0"/>
           </a:p>
@@ -16706,6 +16809,15 @@
             </a:pPr>
             <a:endParaRPr lang="en-US" dirty="0"/>
           </a:p>
+          <a:p>
+            <a:pPr marL="685800" lvl="1" indent="-228600">
+              <a:spcBef>
+                <a:spcPts val="0"/>
+              </a:spcBef>
+              <a:buSzPts val="2800"/>
+            </a:pPr>
+            <a:endParaRPr lang="en-US" dirty="0"/>
+          </a:p>
         </p:txBody>
       </p:sp>
     </p:spTree>
@@ -16798,14 +16910,14 @@
           <p:nvPr>
             <p:extLst>
               <p:ext uri="{D42A27DB-BD31-4B8C-83A1-F6EECF244321}">
-                <p14:modId xmlns:p14="http://schemas.microsoft.com/office/powerpoint/2010/main" val="340597391"/>
+                <p14:modId xmlns:p14="http://schemas.microsoft.com/office/powerpoint/2010/main" val="639674905"/>
               </p:ext>
             </p:extLst>
           </p:nvPr>
         </p:nvGraphicFramePr>
         <p:xfrm>
           <a:off x="838200" y="1866833"/>
-          <a:ext cx="10515600" cy="1854250"/>
+          <a:ext cx="10515600" cy="2661970"/>
         </p:xfrm>
         <a:graphic>
           <a:graphicData uri="http://schemas.openxmlformats.org/drawingml/2006/table">
@@ -16899,10 +17011,9 @@
                         <a:buNone/>
                       </a:pPr>
                       <a:r>
-                        <a:rPr lang="en-US" sz="1800"/>
-                        <a:t>We never Developed in JS</a:t>
+                        <a:rPr lang="en-US" sz="1800" dirty="0"/>
+                        <a:t>Security and confidentiality management</a:t>
                       </a:r>
-                      <a:endParaRPr lang="en-US" sz="1800" dirty="0"/>
                     </a:p>
                   </a:txBody>
                   <a:tcPr marL="91450" marR="91450" marT="45725" marB="45725"/>
@@ -16922,10 +17033,9 @@
                         <a:buNone/>
                       </a:pPr>
                       <a:r>
-                        <a:rPr lang="en-US" sz="1800"/>
-                        <a:t>Learn JS</a:t>
+                        <a:rPr lang="en-US" sz="1800" dirty="0"/>
+                        <a:t>Working on a private network (VPN environment may be established)</a:t>
                       </a:r>
-                      <a:endParaRPr lang="en-US" sz="1800" dirty="0"/>
                     </a:p>
                   </a:txBody>
                   <a:tcPr marL="91450" marR="91450" marT="45725" marB="45725"/>
@@ -16951,7 +17061,10 @@
                         </a:spcAft>
                         <a:buNone/>
                       </a:pPr>
-                      <a:endParaRPr lang="en-US" sz="1800" dirty="0"/>
+                      <a:r>
+                        <a:rPr lang="en-US" sz="1800" dirty="0"/>
+                        <a:t>Working with new languages such as JS, LaTeX</a:t>
+                      </a:r>
                     </a:p>
                   </a:txBody>
                   <a:tcPr marL="91450" marR="91450" marT="45725" marB="45725"/>
@@ -16970,6 +17083,10 @@
                         </a:spcAft>
                         <a:buNone/>
                       </a:pPr>
+                      <a:r>
+                        <a:rPr lang="en-US" sz="1800" dirty="0"/>
+                        <a:t>Introductory online courses, working with established APIs.</a:t>
+                      </a:r>
                       <a:endParaRPr lang="en-IL" sz="1800" dirty="0"/>
                     </a:p>
                   </a:txBody>
@@ -16996,7 +17113,11 @@
                         </a:spcAft>
                         <a:buNone/>
                       </a:pPr>
-                      <a:endParaRPr lang="en-IL" sz="1800"/>
+                      <a:r>
+                        <a:rPr lang="en-US" sz="1800" dirty="0"/>
+                        <a:t>Time management</a:t>
+                      </a:r>
+                      <a:endParaRPr lang="en-IL" sz="1800" dirty="0"/>
                     </a:p>
                   </a:txBody>
                   <a:tcPr marL="91450" marR="91450" marT="45725" marB="45725"/>
@@ -17015,7 +17136,19 @@
                         </a:spcAft>
                         <a:buNone/>
                       </a:pPr>
-                      <a:endParaRPr lang="en-IL" sz="1800"/>
+                      <a:r>
+                        <a:rPr lang="en-US" sz="1800" dirty="0"/>
+                        <a:t>Working with task boards such as Jira/</a:t>
+                      </a:r>
+                      <a:r>
+                        <a:rPr lang="en-US" sz="1800" dirty="0" err="1"/>
+                        <a:t>Github</a:t>
+                      </a:r>
+                      <a:r>
+                        <a:rPr lang="en-US" sz="1800" dirty="0"/>
+                        <a:t> with weekly meetings. </a:t>
+                      </a:r>
+                      <a:endParaRPr lang="en-IL" sz="1800" dirty="0"/>
                     </a:p>
                   </a:txBody>
                   <a:tcPr marL="91450" marR="91450" marT="45725" marB="45725"/>
